--- a/scooby_ctf.pptx
+++ b/scooby_ctf.pptx
@@ -124,11 +124,11 @@
 </file>
 
 <file path=ppt/diagrams/colors1.xml><?xml version="1.0" encoding="utf-8"?>
-<dgm:colorsDef xmlns:dgm="http://schemas.openxmlformats.org/drawingml/2006/diagram" xmlns:a="http://schemas.openxmlformats.org/drawingml/2006/main" uniqueId="urn:microsoft.com/office/officeart/2005/8/colors/colorful2">
-  <dgm:title val=""/>
-  <dgm:desc val=""/>
+<dgm:colorsDef xmlns:dgm="http://schemas.openxmlformats.org/drawingml/2006/diagram" xmlns:a="http://schemas.openxmlformats.org/drawingml/2006/main" uniqueId="urn:microsoft.com/office/officeart/2005/8/colors/ColorSchemeForSuggestions">
+  <dgm:title val="Color Scheme for Suggestions"/>
+  <dgm:desc val="Color Scheme for Suggestions"/>
   <dgm:catLst>
-    <dgm:cat type="colorful" pri="10200"/>
+    <dgm:cat type="Other" pri="2"/>
   </dgm:catLst>
   <dgm:styleLbl name="node0">
     <dgm:fillClrLst meth="repeat">
@@ -142,10 +142,21 @@
     <dgm:txFillClrLst/>
     <dgm:txEffectClrLst/>
   </dgm:styleLbl>
+  <dgm:styleLbl name="alignNode1">
+    <dgm:fillClrLst meth="repeat">
+      <a:schemeClr val="accent1"/>
+    </dgm:fillClrLst>
+    <dgm:linClrLst meth="repeat">
+      <a:schemeClr val="accent1"/>
+    </dgm:linClrLst>
+    <dgm:effectClrLst/>
+    <dgm:txLinClrLst/>
+    <dgm:txFillClrLst/>
+    <dgm:txEffectClrLst/>
+  </dgm:styleLbl>
   <dgm:styleLbl name="node1">
-    <dgm:fillClrLst>
-      <a:schemeClr val="accent2"/>
-      <a:schemeClr val="accent3"/>
+    <dgm:fillClrLst meth="repeat">
+      <a:schemeClr val="accent1"/>
     </dgm:fillClrLst>
     <dgm:linClrLst meth="repeat">
       <a:schemeClr val="lt1"/>
@@ -155,24 +166,9 @@
     <dgm:txFillClrLst/>
     <dgm:txEffectClrLst/>
   </dgm:styleLbl>
-  <dgm:styleLbl name="alignNode1">
-    <dgm:fillClrLst>
-      <a:schemeClr val="accent2"/>
-      <a:schemeClr val="accent3"/>
-    </dgm:fillClrLst>
-    <dgm:linClrLst>
-      <a:schemeClr val="accent2"/>
-      <a:schemeClr val="accent3"/>
-    </dgm:linClrLst>
-    <dgm:effectClrLst/>
-    <dgm:txLinClrLst/>
-    <dgm:txFillClrLst/>
-    <dgm:txEffectClrLst/>
-  </dgm:styleLbl>
   <dgm:styleLbl name="lnNode1">
-    <dgm:fillClrLst>
-      <a:schemeClr val="accent2"/>
-      <a:schemeClr val="accent3"/>
+    <dgm:fillClrLst meth="repeat">
+      <a:schemeClr val="accent1"/>
     </dgm:fillClrLst>
     <dgm:linClrLst meth="repeat">
       <a:schemeClr val="lt1"/>
@@ -183,11 +179,8 @@
     <dgm:txEffectClrLst/>
   </dgm:styleLbl>
   <dgm:styleLbl name="vennNode1">
-    <dgm:fillClrLst>
-      <a:schemeClr val="accent2">
-        <a:alpha val="50000"/>
-      </a:schemeClr>
-      <a:schemeClr val="accent3">
+    <dgm:fillClrLst meth="repeat">
+      <a:schemeClr val="accent1">
         <a:alpha val="50000"/>
       </a:schemeClr>
     </dgm:fillClrLst>
@@ -200,8 +193,8 @@
     <dgm:txEffectClrLst/>
   </dgm:styleLbl>
   <dgm:styleLbl name="node2">
-    <dgm:fillClrLst>
-      <a:schemeClr val="accent3"/>
+    <dgm:fillClrLst meth="repeat">
+      <a:schemeClr val="accent1"/>
     </dgm:fillClrLst>
     <dgm:linClrLst meth="repeat">
       <a:schemeClr val="lt1"/>
@@ -212,8 +205,8 @@
     <dgm:txEffectClrLst/>
   </dgm:styleLbl>
   <dgm:styleLbl name="node3">
-    <dgm:fillClrLst>
-      <a:schemeClr val="accent4"/>
+    <dgm:fillClrLst meth="repeat">
+      <a:schemeClr val="accent1"/>
     </dgm:fillClrLst>
     <dgm:linClrLst meth="repeat">
       <a:schemeClr val="lt1"/>
@@ -224,8 +217,8 @@
     <dgm:txEffectClrLst/>
   </dgm:styleLbl>
   <dgm:styleLbl name="node4">
-    <dgm:fillClrLst>
-      <a:schemeClr val="accent5"/>
+    <dgm:fillClrLst meth="repeat">
+      <a:schemeClr val="accent1"/>
     </dgm:fillClrLst>
     <dgm:linClrLst meth="repeat">
       <a:schemeClr val="lt1"/>
@@ -236,11 +229,8 @@
     <dgm:txEffectClrLst/>
   </dgm:styleLbl>
   <dgm:styleLbl name="fgImgPlace1">
-    <dgm:fillClrLst>
-      <a:schemeClr val="accent2">
-        <a:tint val="50000"/>
-      </a:schemeClr>
-      <a:schemeClr val="accent3">
+    <dgm:fillClrLst meth="repeat">
+      <a:schemeClr val="accent1">
         <a:tint val="50000"/>
       </a:schemeClr>
     </dgm:fillClrLst>
@@ -255,12 +245,9 @@
     <dgm:txEffectClrLst/>
   </dgm:styleLbl>
   <dgm:styleLbl name="alignImgPlace1">
-    <dgm:fillClrLst>
-      <a:schemeClr val="accent2">
+    <dgm:fillClrLst meth="repeat">
+      <a:schemeClr val="accent1">
         <a:tint val="50000"/>
-      </a:schemeClr>
-      <a:schemeClr val="accent3">
-        <a:tint val="20000"/>
       </a:schemeClr>
     </dgm:fillClrLst>
     <dgm:linClrLst meth="repeat">
@@ -274,12 +261,9 @@
     <dgm:txEffectClrLst/>
   </dgm:styleLbl>
   <dgm:styleLbl name="bgImgPlace1">
-    <dgm:fillClrLst>
-      <a:schemeClr val="accent2">
+    <dgm:fillClrLst meth="repeat">
+      <a:schemeClr val="accent1">
         <a:tint val="50000"/>
-      </a:schemeClr>
-      <a:schemeClr val="accent3">
-        <a:tint val="20000"/>
       </a:schemeClr>
     </dgm:fillClrLst>
     <dgm:linClrLst meth="repeat">
@@ -293,12 +277,15 @@
     <dgm:txEffectClrLst/>
   </dgm:styleLbl>
   <dgm:styleLbl name="sibTrans2D1">
-    <dgm:fillClrLst>
-      <a:schemeClr val="accent2"/>
-      <a:schemeClr val="accent3"/>
+    <dgm:fillClrLst meth="repeat">
+      <a:schemeClr val="accent1">
+        <a:tint val="60000"/>
+      </a:schemeClr>
     </dgm:fillClrLst>
     <dgm:linClrLst meth="repeat">
-      <a:schemeClr val="lt1"/>
+      <a:schemeClr val="accent1">
+        <a:tint val="60000"/>
+      </a:schemeClr>
     </dgm:linClrLst>
     <dgm:effectClrLst/>
     <dgm:txLinClrLst/>
@@ -306,40 +293,43 @@
     <dgm:txEffectClrLst/>
   </dgm:styleLbl>
   <dgm:styleLbl name="fgSibTrans2D1">
-    <dgm:fillClrLst>
-      <a:schemeClr val="accent2"/>
-      <a:schemeClr val="accent3"/>
+    <dgm:fillClrLst meth="repeat">
+      <a:schemeClr val="accent1">
+        <a:tint val="60000"/>
+      </a:schemeClr>
     </dgm:fillClrLst>
     <dgm:linClrLst meth="repeat">
-      <a:schemeClr val="lt1"/>
+      <a:schemeClr val="accent1">
+        <a:tint val="60000"/>
+      </a:schemeClr>
     </dgm:linClrLst>
     <dgm:effectClrLst/>
     <dgm:txLinClrLst/>
-    <dgm:txFillClrLst meth="repeat">
-      <a:schemeClr val="lt1"/>
-    </dgm:txFillClrLst>
+    <dgm:txFillClrLst/>
     <dgm:txEffectClrLst/>
   </dgm:styleLbl>
   <dgm:styleLbl name="bgSibTrans2D1">
-    <dgm:fillClrLst>
-      <a:schemeClr val="accent2"/>
-      <a:schemeClr val="accent3"/>
+    <dgm:fillClrLst meth="repeat">
+      <a:schemeClr val="accent1">
+        <a:tint val="60000"/>
+      </a:schemeClr>
     </dgm:fillClrLst>
     <dgm:linClrLst meth="repeat">
-      <a:schemeClr val="lt1"/>
+      <a:schemeClr val="accent1">
+        <a:tint val="60000"/>
+      </a:schemeClr>
     </dgm:linClrLst>
     <dgm:effectClrLst/>
     <dgm:txLinClrLst/>
-    <dgm:txFillClrLst meth="repeat">
-      <a:schemeClr val="lt1"/>
-    </dgm:txFillClrLst>
+    <dgm:txFillClrLst/>
     <dgm:txEffectClrLst/>
   </dgm:styleLbl>
   <dgm:styleLbl name="sibTrans1D1">
-    <dgm:fillClrLst/>
-    <dgm:linClrLst>
-      <a:schemeClr val="accent2"/>
-      <a:schemeClr val="accent3"/>
+    <dgm:fillClrLst meth="repeat">
+      <a:schemeClr val="accent1"/>
+    </dgm:fillClrLst>
+    <dgm:linClrLst meth="repeat">
+      <a:schemeClr val="accent1"/>
     </dgm:linClrLst>
     <dgm:effectClrLst/>
     <dgm:txLinClrLst/>
@@ -350,10 +340,10 @@
   </dgm:styleLbl>
   <dgm:styleLbl name="callout">
     <dgm:fillClrLst meth="repeat">
-      <a:schemeClr val="accent2"/>
+      <a:schemeClr val="accent1"/>
     </dgm:fillClrLst>
     <dgm:linClrLst meth="repeat">
-      <a:schemeClr val="accent2">
+      <a:schemeClr val="accent1">
         <a:tint val="50000"/>
       </a:schemeClr>
     </dgm:linClrLst>
@@ -366,35 +356,7 @@
   </dgm:styleLbl>
   <dgm:styleLbl name="asst0">
     <dgm:fillClrLst meth="repeat">
-      <a:schemeClr val="accent2"/>
-    </dgm:fillClrLst>
-    <dgm:linClrLst meth="repeat">
-      <a:schemeClr val="lt1">
-        <a:shade val="80000"/>
-      </a:schemeClr>
-    </dgm:linClrLst>
-    <dgm:effectClrLst/>
-    <dgm:txLinClrLst/>
-    <dgm:txFillClrLst/>
-    <dgm:txEffectClrLst/>
-  </dgm:styleLbl>
-  <dgm:styleLbl name="asst1">
-    <dgm:fillClrLst meth="repeat">
-      <a:schemeClr val="accent3"/>
-    </dgm:fillClrLst>
-    <dgm:linClrLst meth="repeat">
-      <a:schemeClr val="lt1">
-        <a:shade val="80000"/>
-      </a:schemeClr>
-    </dgm:linClrLst>
-    <dgm:effectClrLst/>
-    <dgm:txLinClrLst/>
-    <dgm:txFillClrLst/>
-    <dgm:txEffectClrLst/>
-  </dgm:styleLbl>
-  <dgm:styleLbl name="asst2">
-    <dgm:fillClrLst>
-      <a:schemeClr val="accent4"/>
+      <a:schemeClr val="accent1"/>
     </dgm:fillClrLst>
     <dgm:linClrLst meth="repeat">
       <a:schemeClr val="lt1"/>
@@ -404,9 +366,9 @@
     <dgm:txFillClrLst/>
     <dgm:txEffectClrLst/>
   </dgm:styleLbl>
-  <dgm:styleLbl name="asst3">
-    <dgm:fillClrLst>
-      <a:schemeClr val="accent5"/>
+  <dgm:styleLbl name="asst1">
+    <dgm:fillClrLst meth="repeat">
+      <a:schemeClr val="accent1"/>
     </dgm:fillClrLst>
     <dgm:linClrLst meth="repeat">
       <a:schemeClr val="lt1"/>
@@ -416,9 +378,9 @@
     <dgm:txFillClrLst/>
     <dgm:txEffectClrLst/>
   </dgm:styleLbl>
-  <dgm:styleLbl name="asst4">
-    <dgm:fillClrLst>
-      <a:schemeClr val="accent6"/>
+  <dgm:styleLbl name="asst2">
+    <dgm:fillClrLst meth="repeat">
+      <a:schemeClr val="accent1"/>
     </dgm:fillClrLst>
     <dgm:linClrLst meth="repeat">
       <a:schemeClr val="lt1"/>
@@ -428,23 +390,9 @@
     <dgm:txFillClrLst/>
     <dgm:txEffectClrLst/>
   </dgm:styleLbl>
-  <dgm:styleLbl name="parChTrans2D1">
+  <dgm:styleLbl name="asst3">
     <dgm:fillClrLst meth="repeat">
-      <a:schemeClr val="accent2"/>
-    </dgm:fillClrLst>
-    <dgm:linClrLst meth="repeat">
-      <a:schemeClr val="lt1"/>
-    </dgm:linClrLst>
-    <dgm:effectClrLst/>
-    <dgm:txLinClrLst/>
-    <dgm:txFillClrLst meth="repeat">
-      <a:schemeClr val="lt1"/>
-    </dgm:txFillClrLst>
-    <dgm:txEffectClrLst/>
-  </dgm:styleLbl>
-  <dgm:styleLbl name="parChTrans2D2">
-    <dgm:fillClrLst meth="repeat">
-      <a:schemeClr val="accent3"/>
+      <a:schemeClr val="accent1"/>
     </dgm:fillClrLst>
     <dgm:linClrLst meth="repeat">
       <a:schemeClr val="lt1"/>
@@ -454,9 +402,9 @@
     <dgm:txFillClrLst/>
     <dgm:txEffectClrLst/>
   </dgm:styleLbl>
-  <dgm:styleLbl name="parChTrans2D3">
+  <dgm:styleLbl name="asst4">
     <dgm:fillClrLst meth="repeat">
-      <a:schemeClr val="accent4"/>
+      <a:schemeClr val="accent1"/>
     </dgm:fillClrLst>
     <dgm:linClrLst meth="repeat">
       <a:schemeClr val="lt1"/>
@@ -466,12 +414,16 @@
     <dgm:txFillClrLst/>
     <dgm:txEffectClrLst/>
   </dgm:styleLbl>
-  <dgm:styleLbl name="parChTrans2D4">
+  <dgm:styleLbl name="parChTrans2D1">
     <dgm:fillClrLst meth="repeat">
-      <a:schemeClr val="accent5"/>
+      <a:schemeClr val="accent1">
+        <a:tint val="60000"/>
+      </a:schemeClr>
     </dgm:fillClrLst>
     <dgm:linClrLst meth="repeat">
-      <a:schemeClr val="lt1"/>
+      <a:schemeClr val="accent1">
+        <a:tint val="60000"/>
+      </a:schemeClr>
     </dgm:linClrLst>
     <dgm:effectClrLst/>
     <dgm:txLinClrLst/>
@@ -480,12 +432,56 @@
     </dgm:txFillClrLst>
     <dgm:txEffectClrLst/>
   </dgm:styleLbl>
+  <dgm:styleLbl name="parChTrans2D2">
+    <dgm:fillClrLst meth="repeat">
+      <a:schemeClr val="accent1"/>
+    </dgm:fillClrLst>
+    <dgm:linClrLst meth="repeat">
+      <a:schemeClr val="accent1"/>
+    </dgm:linClrLst>
+    <dgm:effectClrLst/>
+    <dgm:txLinClrLst/>
+    <dgm:txFillClrLst meth="repeat">
+      <a:schemeClr val="lt1"/>
+    </dgm:txFillClrLst>
+    <dgm:txEffectClrLst/>
+  </dgm:styleLbl>
+  <dgm:styleLbl name="parChTrans2D3">
+    <dgm:fillClrLst meth="repeat">
+      <a:schemeClr val="accent1"/>
+    </dgm:fillClrLst>
+    <dgm:linClrLst meth="repeat">
+      <a:schemeClr val="accent1"/>
+    </dgm:linClrLst>
+    <dgm:effectClrLst/>
+    <dgm:txLinClrLst/>
+    <dgm:txFillClrLst meth="repeat">
+      <a:schemeClr val="lt1"/>
+    </dgm:txFillClrLst>
+    <dgm:txEffectClrLst/>
+  </dgm:styleLbl>
+  <dgm:styleLbl name="parChTrans2D4">
+    <dgm:fillClrLst meth="repeat">
+      <a:schemeClr val="accent1"/>
+    </dgm:fillClrLst>
+    <dgm:linClrLst meth="repeat">
+      <a:schemeClr val="accent1"/>
+    </dgm:linClrLst>
+    <dgm:effectClrLst/>
+    <dgm:txLinClrLst/>
+    <dgm:txFillClrLst meth="repeat">
+      <a:schemeClr val="lt1"/>
+    </dgm:txFillClrLst>
+    <dgm:txEffectClrLst/>
+  </dgm:styleLbl>
   <dgm:styleLbl name="parChTrans1D1">
     <dgm:fillClrLst meth="repeat">
-      <a:schemeClr val="accent2"/>
+      <a:schemeClr val="accent1"/>
     </dgm:fillClrLst>
     <dgm:linClrLst meth="repeat">
-      <a:schemeClr val="accent2"/>
+      <a:schemeClr val="accent1">
+        <a:shade val="60000"/>
+      </a:schemeClr>
     </dgm:linClrLst>
     <dgm:effectClrLst/>
     <dgm:txLinClrLst/>
@@ -496,12 +492,12 @@
   </dgm:styleLbl>
   <dgm:styleLbl name="parChTrans1D2">
     <dgm:fillClrLst meth="repeat">
-      <a:schemeClr val="accent2">
-        <a:tint val="90000"/>
-      </a:schemeClr>
+      <a:schemeClr val="accent1"/>
     </dgm:fillClrLst>
     <dgm:linClrLst meth="repeat">
-      <a:schemeClr val="accent3"/>
+      <a:schemeClr val="accent1">
+        <a:shade val="60000"/>
+      </a:schemeClr>
     </dgm:linClrLst>
     <dgm:effectClrLst/>
     <dgm:txLinClrLst/>
@@ -512,12 +508,12 @@
   </dgm:styleLbl>
   <dgm:styleLbl name="parChTrans1D3">
     <dgm:fillClrLst meth="repeat">
-      <a:schemeClr val="accent2">
-        <a:tint val="70000"/>
-      </a:schemeClr>
+      <a:schemeClr val="accent1"/>
     </dgm:fillClrLst>
     <dgm:linClrLst meth="repeat">
-      <a:schemeClr val="accent4"/>
+      <a:schemeClr val="accent1">
+        <a:shade val="80000"/>
+      </a:schemeClr>
     </dgm:linClrLst>
     <dgm:effectClrLst/>
     <dgm:txLinClrLst/>
@@ -528,12 +524,12 @@
   </dgm:styleLbl>
   <dgm:styleLbl name="parChTrans1D4">
     <dgm:fillClrLst meth="repeat">
-      <a:schemeClr val="accent2">
-        <a:tint val="50000"/>
-      </a:schemeClr>
+      <a:schemeClr val="accent1"/>
     </dgm:fillClrLst>
     <dgm:linClrLst meth="repeat">
-      <a:schemeClr val="accent5"/>
+      <a:schemeClr val="accent1">
+        <a:shade val="80000"/>
+      </a:schemeClr>
     </dgm:linClrLst>
     <dgm:effectClrLst/>
     <dgm:txLinClrLst/>
@@ -548,9 +544,8 @@
         <a:alpha val="90000"/>
       </a:schemeClr>
     </dgm:fillClrLst>
-    <dgm:linClrLst>
-      <a:schemeClr val="accent2"/>
-      <a:schemeClr val="accent3"/>
+    <dgm:linClrLst meth="repeat">
+      <a:schemeClr val="accent1"/>
     </dgm:linClrLst>
     <dgm:effectClrLst/>
     <dgm:txLinClrLst/>
@@ -565,9 +560,8 @@
         <a:alpha val="90000"/>
       </a:schemeClr>
     </dgm:fillClrLst>
-    <dgm:linClrLst>
-      <a:schemeClr val="accent2"/>
-      <a:schemeClr val="accent3"/>
+    <dgm:linClrLst meth="repeat">
+      <a:schemeClr val="accent1"/>
     </dgm:linClrLst>
     <dgm:effectClrLst/>
     <dgm:txLinClrLst/>
@@ -582,9 +576,8 @@
         <a:alpha val="90000"/>
       </a:schemeClr>
     </dgm:fillClrLst>
-    <dgm:linClrLst>
-      <a:schemeClr val="accent2"/>
-      <a:schemeClr val="accent3"/>
+    <dgm:linClrLst meth="repeat">
+      <a:schemeClr val="accent1"/>
     </dgm:linClrLst>
     <dgm:effectClrLst/>
     <dgm:txLinClrLst/>
@@ -600,7 +593,7 @@
       </a:schemeClr>
     </dgm:fillClrLst>
     <dgm:linClrLst meth="repeat">
-      <a:schemeClr val="accent2"/>
+      <a:schemeClr val="accent1"/>
     </dgm:linClrLst>
     <dgm:effectClrLst/>
     <dgm:txLinClrLst/>
@@ -615,9 +608,8 @@
         <a:alpha val="90000"/>
       </a:schemeClr>
     </dgm:fillClrLst>
-    <dgm:linClrLst>
-      <a:schemeClr val="accent2"/>
-      <a:schemeClr val="accent3"/>
+    <dgm:linClrLst meth="repeat">
+      <a:schemeClr val="accent1"/>
     </dgm:linClrLst>
     <dgm:effectClrLst/>
     <dgm:txLinClrLst/>
@@ -630,9 +622,8 @@
     <dgm:fillClrLst meth="repeat">
       <a:schemeClr val="lt1"/>
     </dgm:fillClrLst>
-    <dgm:linClrLst>
-      <a:schemeClr val="accent2"/>
-      <a:schemeClr val="accent3"/>
+    <dgm:linClrLst meth="repeat">
+      <a:schemeClr val="accent1"/>
     </dgm:linClrLst>
     <dgm:effectClrLst/>
     <dgm:txLinClrLst/>
@@ -645,9 +636,8 @@
     <dgm:fillClrLst meth="repeat">
       <a:schemeClr val="lt1"/>
     </dgm:fillClrLst>
-    <dgm:linClrLst>
-      <a:schemeClr val="accent2"/>
-      <a:schemeClr val="accent3"/>
+    <dgm:linClrLst meth="repeat">
+      <a:schemeClr val="accent1"/>
     </dgm:linClrLst>
     <dgm:effectClrLst/>
     <dgm:txLinClrLst/>
@@ -660,9 +650,8 @@
     <dgm:fillClrLst meth="repeat">
       <a:schemeClr val="lt1"/>
     </dgm:fillClrLst>
-    <dgm:linClrLst>
-      <a:schemeClr val="accent2"/>
-      <a:schemeClr val="accent3"/>
+    <dgm:linClrLst meth="repeat">
+      <a:schemeClr val="accent1"/>
     </dgm:linClrLst>
     <dgm:effectClrLst/>
     <dgm:txLinClrLst/>
@@ -672,24 +661,16 @@
     <dgm:txEffectClrLst/>
   </dgm:styleLbl>
   <dgm:styleLbl name="fgAccFollowNode1">
-    <dgm:fillClrLst>
-      <a:schemeClr val="accent2">
+    <dgm:fillClrLst meth="repeat">
+      <a:schemeClr val="accent1">
+        <a:alpha val="90000"/>
         <a:tint val="40000"/>
-        <a:alpha val="90000"/>
-      </a:schemeClr>
-      <a:schemeClr val="accent3">
-        <a:tint val="40000"/>
-        <a:alpha val="90000"/>
       </a:schemeClr>
     </dgm:fillClrLst>
-    <dgm:linClrLst>
-      <a:schemeClr val="accent2">
+    <dgm:linClrLst meth="repeat">
+      <a:schemeClr val="accent1">
+        <a:alpha val="90000"/>
         <a:tint val="40000"/>
-        <a:alpha val="90000"/>
-      </a:schemeClr>
-      <a:schemeClr val="accent3">
-        <a:tint val="40000"/>
-        <a:alpha val="90000"/>
       </a:schemeClr>
     </dgm:linClrLst>
     <dgm:effectClrLst/>
@@ -700,24 +681,16 @@
     <dgm:txEffectClrLst/>
   </dgm:styleLbl>
   <dgm:styleLbl name="alignAccFollowNode1">
-    <dgm:fillClrLst>
-      <a:schemeClr val="accent2">
+    <dgm:fillClrLst meth="repeat">
+      <a:schemeClr val="accent1">
+        <a:alpha val="90000"/>
         <a:tint val="40000"/>
-        <a:alpha val="90000"/>
-      </a:schemeClr>
-      <a:schemeClr val="accent3">
-        <a:tint val="40000"/>
-        <a:alpha val="90000"/>
       </a:schemeClr>
     </dgm:fillClrLst>
-    <dgm:linClrLst>
-      <a:schemeClr val="accent2">
+    <dgm:linClrLst meth="repeat">
+      <a:schemeClr val="accent1">
+        <a:alpha val="90000"/>
         <a:tint val="40000"/>
-        <a:alpha val="90000"/>
-      </a:schemeClr>
-      <a:schemeClr val="accent3">
-        <a:tint val="40000"/>
-        <a:alpha val="90000"/>
       </a:schemeClr>
     </dgm:linClrLst>
     <dgm:effectClrLst/>
@@ -728,30 +701,23 @@
     <dgm:txEffectClrLst/>
   </dgm:styleLbl>
   <dgm:styleLbl name="bgAccFollowNode1">
-    <dgm:fillClrLst>
-      <a:schemeClr val="accent2">
-        <a:tint val="40000"/>
-        <a:alpha val="90000"/>
-      </a:schemeClr>
-      <a:schemeClr val="accent3">
-        <a:tint val="40000"/>
-        <a:alpha val="90000"/>
+    <dgm:fillClrLst meth="repeat">
+      <a:schemeClr val="bg1">
+        <a:lumMod val="95000"/>
       </a:schemeClr>
     </dgm:fillClrLst>
     <dgm:linClrLst>
-      <a:schemeClr val="accent2">
-        <a:tint val="40000"/>
-        <a:alpha val="90000"/>
-      </a:schemeClr>
-      <a:schemeClr val="accent3">
-        <a:tint val="40000"/>
-        <a:alpha val="90000"/>
+      <a:schemeClr val="bg1">
+        <a:lumMod val="95000"/>
       </a:schemeClr>
     </dgm:linClrLst>
     <dgm:effectClrLst/>
     <dgm:txLinClrLst/>
     <dgm:txFillClrLst meth="repeat">
-      <a:schemeClr val="dk1"/>
+      <a:schemeClr val="tx1">
+        <a:lumMod val="75000"/>
+        <a:lumOff val="25000"/>
+      </a:schemeClr>
     </dgm:txFillClrLst>
     <dgm:txEffectClrLst/>
   </dgm:styleLbl>
@@ -761,7 +727,7 @@
         <a:alpha val="90000"/>
       </a:schemeClr>
     </dgm:fillClrLst>
-    <dgm:linClrLst>
+    <dgm:linClrLst meth="repeat">
       <a:schemeClr val="accent1"/>
     </dgm:linClrLst>
     <dgm:effectClrLst/>
@@ -777,8 +743,8 @@
         <a:alpha val="90000"/>
       </a:schemeClr>
     </dgm:fillClrLst>
-    <dgm:linClrLst>
-      <a:schemeClr val="accent3"/>
+    <dgm:linClrLst meth="repeat">
+      <a:schemeClr val="accent1"/>
     </dgm:linClrLst>
     <dgm:effectClrLst/>
     <dgm:txLinClrLst/>
@@ -793,8 +759,8 @@
         <a:alpha val="90000"/>
       </a:schemeClr>
     </dgm:fillClrLst>
-    <dgm:linClrLst>
-      <a:schemeClr val="accent4"/>
+    <dgm:linClrLst meth="repeat">
+      <a:schemeClr val="accent1"/>
     </dgm:linClrLst>
     <dgm:effectClrLst/>
     <dgm:txLinClrLst/>
@@ -809,8 +775,8 @@
         <a:alpha val="90000"/>
       </a:schemeClr>
     </dgm:fillClrLst>
-    <dgm:linClrLst>
-      <a:schemeClr val="accent5"/>
+    <dgm:linClrLst meth="repeat">
+      <a:schemeClr val="accent1"/>
     </dgm:linClrLst>
     <dgm:effectClrLst/>
     <dgm:txLinClrLst/>
@@ -821,12 +787,12 @@
   </dgm:styleLbl>
   <dgm:styleLbl name="bgShp">
     <dgm:fillClrLst meth="repeat">
-      <a:schemeClr val="accent2">
+      <a:schemeClr val="accent1">
         <a:tint val="40000"/>
       </a:schemeClr>
     </dgm:fillClrLst>
     <dgm:linClrLst meth="repeat">
-      <a:schemeClr val="dk1"/>
+      <a:schemeClr val="accent1"/>
     </dgm:linClrLst>
     <dgm:effectClrLst/>
     <dgm:txLinClrLst/>
@@ -837,12 +803,12 @@
   </dgm:styleLbl>
   <dgm:styleLbl name="dkBgShp">
     <dgm:fillClrLst meth="repeat">
-      <a:schemeClr val="accent2">
-        <a:shade val="90000"/>
+      <a:schemeClr val="accent1">
+        <a:shade val="80000"/>
       </a:schemeClr>
     </dgm:fillClrLst>
     <dgm:linClrLst meth="repeat">
-      <a:schemeClr val="dk1"/>
+      <a:schemeClr val="accent1"/>
     </dgm:linClrLst>
     <dgm:effectClrLst/>
     <dgm:txLinClrLst/>
@@ -853,13 +819,13 @@
   </dgm:styleLbl>
   <dgm:styleLbl name="trBgShp">
     <dgm:fillClrLst meth="repeat">
-      <a:schemeClr val="accent2">
+      <a:schemeClr val="accent1">
         <a:tint val="50000"/>
         <a:alpha val="40000"/>
       </a:schemeClr>
     </dgm:fillClrLst>
     <dgm:linClrLst meth="repeat">
-      <a:schemeClr val="accent2"/>
+      <a:schemeClr val="accent1"/>
     </dgm:linClrLst>
     <dgm:effectClrLst/>
     <dgm:txLinClrLst/>
@@ -870,8 +836,8 @@
   </dgm:styleLbl>
   <dgm:styleLbl name="fgShp">
     <dgm:fillClrLst meth="repeat">
-      <a:schemeClr val="accent2">
-        <a:tint val="40000"/>
+      <a:schemeClr val="accent1">
+        <a:tint val="60000"/>
       </a:schemeClr>
     </dgm:fillClrLst>
     <dgm:linClrLst meth="repeat">
@@ -1828,7 +1794,7 @@
 <dgm:dataModel xmlns:dgm="http://schemas.openxmlformats.org/drawingml/2006/diagram" xmlns:a="http://schemas.openxmlformats.org/drawingml/2006/main">
   <dgm:ptLst>
     <dgm:pt modelId="{A6FEEB26-3B5E-4DB9-8802-C5A0EB26B837}" type="doc">
-      <dgm:prSet loTypeId="urn:microsoft.com/office/officeart/2005/8/layout/vList2" loCatId="Inbox" qsTypeId="urn:microsoft.com/office/officeart/2005/8/quickstyle/simple4" qsCatId="simple" csTypeId="urn:microsoft.com/office/officeart/2005/8/colors/colorful2" csCatId="colorful" phldr="1"/>
+      <dgm:prSet loTypeId="urn:microsoft.com/office/officeart/2005/8/layout/vList2" loCatId="Inbox" qsTypeId="urn:microsoft.com/office/officeart/2005/8/quickstyle/simple1" qsCatId="simple" csTypeId="urn:microsoft.com/office/officeart/2005/8/colors/ColorSchemeForSuggestions" csCatId="other" phldr="1"/>
       <dgm:spPr/>
       <dgm:t>
         <a:bodyPr/>
@@ -1852,16 +1818,16 @@
         </a:p>
         <a:p>
           <a:r>
-            <a:rPr lang="en-US" sz="1400" dirty="0"/>
+            <a:rPr lang="en-US" sz="1200" dirty="0"/>
             <a:t>Can you crack this ciphertext: </a:t>
           </a:r>
         </a:p>
         <a:p>
           <a:r>
-            <a:rPr lang="en-US" sz="1400" b="0" i="0" dirty="0"/>
+            <a:rPr lang="en-US" sz="1200" b="0" i="0" dirty="0"/>
             <a:t>f9fa10ba956cacf91d7878861139efb9</a:t>
           </a:r>
-          <a:endParaRPr lang="en-US" sz="1400" dirty="0"/>
+          <a:endParaRPr lang="en-US" sz="1200" dirty="0"/>
         </a:p>
       </dgm:t>
     </dgm:pt>
@@ -1896,21 +1862,21 @@
         <a:p>
           <a:r>
             <a:rPr lang="en-US" sz="1600" b="1" dirty="0"/>
-            <a:t>Q2 (5 Pts): Protect the Fort </a:t>
+            <a:t>Q2 (5 Pts): Protect The Fort </a:t>
           </a:r>
         </a:p>
         <a:p>
           <a:r>
-            <a:rPr lang="en-US" sz="1400" dirty="0"/>
+            <a:rPr lang="en-US" sz="1200" dirty="0"/>
             <a:t>Can you crack this ciphertext:</a:t>
           </a:r>
         </a:p>
         <a:p>
           <a:r>
-            <a:rPr lang="en-US" sz="1400" b="0" i="0" dirty="0"/>
+            <a:rPr lang="en-US" sz="1200" b="0" i="0" dirty="0"/>
             <a:t>c29tZSBwZW9wbGUgY2FsbCBmb3J0cyBiYXNlcyB0b28=</a:t>
           </a:r>
-          <a:endParaRPr lang="en-US" sz="1400" dirty="0"/>
+          <a:endParaRPr lang="en-US" sz="1200" dirty="0"/>
         </a:p>
       </dgm:t>
     </dgm:pt>
@@ -1950,196 +1916,196 @@
         </a:p>
         <a:p>
           <a:r>
-            <a:rPr lang="en-US" sz="1400" dirty="0"/>
+            <a:rPr lang="en-US" sz="1200" dirty="0"/>
             <a:t>Can you crack this ciphertext:</a:t>
           </a:r>
         </a:p>
         <a:p>
           <a:r>
-            <a:rPr lang="en-US" sz="1400" b="0" i="0" dirty="0" err="1"/>
+            <a:rPr lang="en-US" sz="1200" b="0" i="0" dirty="0" err="1"/>
             <a:t>Dszg</a:t>
           </a:r>
           <a:r>
-            <a:rPr lang="en-US" sz="1400" b="0" i="0" dirty="0"/>
+            <a:rPr lang="en-US" sz="1200" b="0" i="0" dirty="0"/>
             <a:t> </a:t>
           </a:r>
           <a:r>
-            <a:rPr lang="en-US" sz="1400" b="0" i="0" dirty="0" err="1"/>
+            <a:rPr lang="en-US" sz="1200" b="0" i="0" dirty="0" err="1"/>
             <a:t>dlfow</a:t>
           </a:r>
           <a:r>
-            <a:rPr lang="en-US" sz="1400" b="0" i="0" dirty="0"/>
+            <a:rPr lang="en-US" sz="1200" b="0" i="0" dirty="0"/>
             <a:t> </a:t>
           </a:r>
           <a:r>
-            <a:rPr lang="en-US" sz="1400" b="0" i="0" dirty="0" err="1"/>
+            <a:rPr lang="en-US" sz="1200" b="0" i="0" dirty="0" err="1"/>
             <a:t>szkkvm</a:t>
           </a:r>
           <a:r>
-            <a:rPr lang="en-US" sz="1400" b="0" i="0" dirty="0"/>
+            <a:rPr lang="en-US" sz="1200" b="0" i="0" dirty="0"/>
             <a:t> </a:t>
           </a:r>
           <a:r>
-            <a:rPr lang="en-US" sz="1400" b="0" i="0" dirty="0" err="1"/>
+            <a:rPr lang="en-US" sz="1200" b="0" i="0" dirty="0" err="1"/>
             <a:t>ru</a:t>
           </a:r>
           <a:r>
-            <a:rPr lang="en-US" sz="1400" b="0" i="0" dirty="0"/>
+            <a:rPr lang="en-US" sz="1200" b="0" i="0" dirty="0"/>
             <a:t> </a:t>
           </a:r>
           <a:r>
-            <a:rPr lang="en-US" sz="1400" b="0" i="0" dirty="0" err="1"/>
+            <a:rPr lang="en-US" sz="1200" b="0" i="0" dirty="0" err="1"/>
             <a:t>Hsviolxp</a:t>
           </a:r>
           <a:r>
-            <a:rPr lang="en-US" sz="1400" b="0" i="0" dirty="0"/>
+            <a:rPr lang="en-US" sz="1200" b="0" i="0" dirty="0"/>
             <a:t> </a:t>
           </a:r>
           <a:r>
-            <a:rPr lang="en-US" sz="1400" b="0" i="0" dirty="0" err="1"/>
+            <a:rPr lang="en-US" sz="1200" b="0" i="0" dirty="0" err="1"/>
             <a:t>zmw</a:t>
           </a:r>
           <a:r>
-            <a:rPr lang="en-US" sz="1400" b="0" i="0" dirty="0"/>
+            <a:rPr lang="en-US" sz="1200" b="0" i="0" dirty="0"/>
             <a:t> </a:t>
           </a:r>
           <a:r>
-            <a:rPr lang="en-US" sz="1400" b="0" i="0" dirty="0" err="1"/>
+            <a:rPr lang="en-US" sz="1200" b="0" i="0" dirty="0" err="1"/>
             <a:t>Dzghlm</a:t>
           </a:r>
           <a:r>
-            <a:rPr lang="en-US" sz="1400" b="0" i="0" dirty="0"/>
+            <a:rPr lang="en-US" sz="1200" b="0" i="0" dirty="0"/>
             <a:t> </a:t>
           </a:r>
           <a:r>
-            <a:rPr lang="en-US" sz="1400" b="0" i="0" dirty="0" err="1"/>
+            <a:rPr lang="en-US" sz="1200" b="0" i="0" dirty="0" err="1"/>
             <a:t>hdrgxsvw</a:t>
           </a:r>
           <a:r>
-            <a:rPr lang="en-US" sz="1400" b="0" i="0" dirty="0"/>
+            <a:rPr lang="en-US" sz="1200" b="0" i="0" dirty="0"/>
             <a:t> </a:t>
           </a:r>
           <a:r>
-            <a:rPr lang="en-US" sz="1400" b="0" i="0" dirty="0" err="1"/>
+            <a:rPr lang="en-US" sz="1200" b="0" i="0" dirty="0" err="1"/>
             <a:t>kozxvh</a:t>
           </a:r>
           <a:r>
-            <a:rPr lang="en-US" sz="1400" b="0" i="0" dirty="0"/>
+            <a:rPr lang="en-US" sz="1200" b="0" i="0" dirty="0"/>
             <a:t>? </a:t>
           </a:r>
           <a:r>
-            <a:rPr lang="en-US" sz="1400" b="0" i="0" dirty="0" err="1"/>
+            <a:rPr lang="en-US" sz="1200" b="0" i="0" dirty="0" err="1"/>
             <a:t>Gsvm</a:t>
           </a:r>
           <a:r>
-            <a:rPr lang="en-US" sz="1400" b="0" i="0" dirty="0"/>
+            <a:rPr lang="en-US" sz="1200" b="0" i="0" dirty="0"/>
             <a:t> </a:t>
           </a:r>
           <a:r>
-            <a:rPr lang="en-US" sz="1400" b="0" i="0" dirty="0" err="1"/>
+            <a:rPr lang="en-US" sz="1200" b="0" i="0" dirty="0" err="1"/>
             <a:t>Dzghlm</a:t>
           </a:r>
           <a:r>
-            <a:rPr lang="en-US" sz="1400" b="0" i="0" dirty="0"/>
+            <a:rPr lang="en-US" sz="1200" b="0" i="0" dirty="0"/>
             <a:t> </a:t>
           </a:r>
           <a:r>
-            <a:rPr lang="en-US" sz="1400" b="0" i="0" dirty="0" err="1"/>
+            <a:rPr lang="en-US" sz="1200" b="0" i="0" dirty="0" err="1"/>
             <a:t>dlfow</a:t>
           </a:r>
           <a:r>
-            <a:rPr lang="en-US" sz="1400" b="0" i="0" dirty="0"/>
+            <a:rPr lang="en-US" sz="1200" b="0" i="0" dirty="0"/>
             <a:t> </a:t>
           </a:r>
           <a:r>
-            <a:rPr lang="en-US" sz="1400" b="0" i="0" dirty="0" err="1"/>
+            <a:rPr lang="en-US" sz="1200" b="0" i="0" dirty="0" err="1"/>
             <a:t>hzb</a:t>
           </a:r>
           <a:r>
-            <a:rPr lang="en-US" sz="1400" b="0" i="0" dirty="0"/>
+            <a:rPr lang="en-US" sz="1200" b="0" i="0" dirty="0"/>
             <a:t>, "</a:t>
           </a:r>
           <a:r>
-            <a:rPr lang="en-US" sz="1400" b="0" i="0" dirty="0" err="1"/>
+            <a:rPr lang="en-US" sz="1200" b="0" i="0" dirty="0" err="1"/>
             <a:t>Vovnvmgzib</a:t>
           </a:r>
           <a:r>
-            <a:rPr lang="en-US" sz="1400" b="0" i="0" dirty="0"/>
+            <a:rPr lang="en-US" sz="1200" b="0" i="0" dirty="0"/>
             <a:t>, </a:t>
           </a:r>
           <a:r>
-            <a:rPr lang="en-US" sz="1400" b="0" i="0" dirty="0" err="1"/>
+            <a:rPr lang="en-US" sz="1200" b="0" i="0" dirty="0" err="1"/>
             <a:t>nb</a:t>
           </a:r>
           <a:r>
-            <a:rPr lang="en-US" sz="1400" b="0" i="0" dirty="0"/>
+            <a:rPr lang="en-US" sz="1200" b="0" i="0" dirty="0"/>
             <a:t> </a:t>
           </a:r>
           <a:r>
-            <a:rPr lang="en-US" sz="1400" b="0" i="0" dirty="0" err="1"/>
+            <a:rPr lang="en-US" sz="1200" b="0" i="0" dirty="0" err="1"/>
             <a:t>wvzi</a:t>
           </a:r>
           <a:r>
-            <a:rPr lang="en-US" sz="1400" b="0" i="0" dirty="0"/>
+            <a:rPr lang="en-US" sz="1200" b="0" i="0" dirty="0"/>
             <a:t> </a:t>
           </a:r>
           <a:r>
-            <a:rPr lang="en-US" sz="1400" b="0" i="0" dirty="0" err="1"/>
+            <a:rPr lang="en-US" sz="1200" b="0" i="0" dirty="0" err="1"/>
             <a:t>Hsviolxp</a:t>
           </a:r>
           <a:r>
-            <a:rPr lang="en-US" sz="1400" b="0" i="0" dirty="0"/>
+            <a:rPr lang="en-US" sz="1200" b="0" i="0" dirty="0"/>
             <a:t>." </a:t>
           </a:r>
           <a:r>
-            <a:rPr lang="en-US" sz="1400" b="0" i="0" dirty="0" err="1"/>
+            <a:rPr lang="en-US" sz="1200" b="0" i="0" dirty="0" err="1"/>
             <a:t>Zmw</a:t>
           </a:r>
           <a:r>
-            <a:rPr lang="en-US" sz="1400" b="0" i="0" dirty="0"/>
+            <a:rPr lang="en-US" sz="1200" b="0" i="0" dirty="0"/>
             <a:t> </a:t>
           </a:r>
           <a:r>
-            <a:rPr lang="en-US" sz="1400" b="0" i="0" dirty="0" err="1"/>
+            <a:rPr lang="en-US" sz="1200" b="0" i="0" dirty="0" err="1"/>
             <a:t>gszg</a:t>
           </a:r>
           <a:r>
-            <a:rPr lang="en-US" sz="1400" b="0" i="0" dirty="0"/>
+            <a:rPr lang="en-US" sz="1200" b="0" i="0" dirty="0"/>
             <a:t> </a:t>
           </a:r>
           <a:r>
-            <a:rPr lang="en-US" sz="1400" b="0" i="0" dirty="0" err="1"/>
+            <a:rPr lang="en-US" sz="1200" b="0" i="0" dirty="0" err="1"/>
             <a:t>dlfow</a:t>
           </a:r>
           <a:r>
-            <a:rPr lang="en-US" sz="1400" b="0" i="0" dirty="0"/>
+            <a:rPr lang="en-US" sz="1200" b="0" i="0" dirty="0"/>
             <a:t> </a:t>
           </a:r>
           <a:r>
-            <a:rPr lang="en-US" sz="1400" b="0" i="0" dirty="0" err="1"/>
+            <a:rPr lang="en-US" sz="1200" b="0" i="0" dirty="0" err="1"/>
             <a:t>qfhg</a:t>
           </a:r>
           <a:r>
-            <a:rPr lang="en-US" sz="1400" b="0" i="0" dirty="0"/>
+            <a:rPr lang="en-US" sz="1200" b="0" i="0" dirty="0"/>
             <a:t> </a:t>
           </a:r>
           <a:r>
-            <a:rPr lang="en-US" sz="1400" b="0" i="0" dirty="0" err="1"/>
+            <a:rPr lang="en-US" sz="1200" b="0" i="0" dirty="0" err="1"/>
             <a:t>hlfmw</a:t>
           </a:r>
           <a:r>
-            <a:rPr lang="en-US" sz="1400" b="0" i="0" dirty="0"/>
+            <a:rPr lang="en-US" sz="1200" b="0" i="0" dirty="0"/>
             <a:t> </a:t>
           </a:r>
           <a:r>
-            <a:rPr lang="en-US" sz="1400" b="0" i="0" dirty="0" err="1"/>
+            <a:rPr lang="en-US" sz="1200" b="0" i="0" dirty="0" err="1"/>
             <a:t>dvriw</a:t>
           </a:r>
           <a:r>
-            <a:rPr lang="en-US" sz="1400" b="0" i="0" dirty="0"/>
+            <a:rPr lang="en-US" sz="1200" b="0" i="0" dirty="0"/>
             <a:t>.</a:t>
           </a:r>
-          <a:endParaRPr lang="en-US" sz="1400" dirty="0"/>
+          <a:endParaRPr lang="en-US" sz="1200" dirty="0"/>
         </a:p>
       </dgm:t>
     </dgm:pt>
@@ -2179,16 +2145,16 @@
         </a:p>
         <a:p>
           <a:r>
-            <a:rPr lang="en-US" sz="1400" b="0" i="0" dirty="0"/>
+            <a:rPr lang="en-US" sz="1200" b="0" i="0" dirty="0"/>
             <a:t>Can you crack this ciphertext:</a:t>
           </a:r>
         </a:p>
         <a:p>
           <a:r>
-            <a:rPr lang="en-US" sz="1400" b="0" i="0" dirty="0"/>
+            <a:rPr lang="en-US" sz="1200" b="0" i="0" dirty="0"/>
             <a:t>BAABBAABBBABAAABAABA BAABAAABBBABBBABABAAABABBAAABB AAAABAABAA AAAAABAABA AABAAAAAAABAABABBAAA AAAAABAABA AABAAAAAAABAABBABAAAABBABAABBA AAAABAAAAAAAABAABBBAABBAB</a:t>
           </a:r>
-          <a:endParaRPr lang="en-US" sz="1400" dirty="0"/>
+          <a:endParaRPr lang="en-US" sz="1200" dirty="0"/>
         </a:p>
       </dgm:t>
     </dgm:pt>
@@ -2214,7 +2180,7 @@
         </a:p>
       </dgm:t>
     </dgm:pt>
-    <dgm:pt modelId="{D2DCA509-F4F8-4CAE-A755-95E1B71B08DD}" type="pres">
+    <dgm:pt modelId="{6B5BEE44-8F82-4CCE-ADD0-407F17774EA9}" type="pres">
       <dgm:prSet presAssocID="{A6FEEB26-3B5E-4DB9-8802-C5A0EB26B837}" presName="linear" presStyleCnt="0">
         <dgm:presLayoutVars>
           <dgm:animLvl val="lvl"/>
@@ -2223,8 +2189,8 @@
       </dgm:prSet>
       <dgm:spPr/>
     </dgm:pt>
-    <dgm:pt modelId="{59689B60-0E02-41E0-9C85-D01A9EE08FEA}" type="pres">
-      <dgm:prSet presAssocID="{77A825FD-26ED-4CEE-8D32-9C2CDA5A71BF}" presName="parentText" presStyleLbl="node1" presStyleIdx="0" presStyleCnt="4" custScaleY="180059" custLinFactY="-4029" custLinFactNeighborX="49" custLinFactNeighborY="-100000">
+    <dgm:pt modelId="{E73D2F85-F202-4A77-ADA7-8EBC232665ED}" type="pres">
+      <dgm:prSet presAssocID="{77A825FD-26ED-4CEE-8D32-9C2CDA5A71BF}" presName="parentText" presStyleLbl="node1" presStyleIdx="0" presStyleCnt="4">
         <dgm:presLayoutVars>
           <dgm:chMax val="0"/>
           <dgm:bulletEnabled val="1"/>
@@ -2232,12 +2198,12 @@
       </dgm:prSet>
       <dgm:spPr/>
     </dgm:pt>
-    <dgm:pt modelId="{E77F020A-ED84-4147-82C5-D487AEA9B9F2}" type="pres">
+    <dgm:pt modelId="{E9095FB3-3D94-4FD6-97BD-161704E3EAD6}" type="pres">
       <dgm:prSet presAssocID="{4EC06201-9099-4C6E-A2AB-C43F822E54AF}" presName="spacer" presStyleCnt="0"/>
       <dgm:spPr/>
     </dgm:pt>
-    <dgm:pt modelId="{D733079E-0C32-476D-B5D1-84D35DD5FF3B}" type="pres">
-      <dgm:prSet presAssocID="{BE787198-CDD4-42C0-A65A-B5B8D1ECDB25}" presName="parentText" presStyleLbl="node1" presStyleIdx="1" presStyleCnt="4" custScaleY="180557" custLinFactY="3874" custLinFactNeighborX="49" custLinFactNeighborY="100000">
+    <dgm:pt modelId="{1C6E7AD2-99CA-4308-A16A-713C082F1738}" type="pres">
+      <dgm:prSet presAssocID="{BE787198-CDD4-42C0-A65A-B5B8D1ECDB25}" presName="parentText" presStyleLbl="node1" presStyleIdx="1" presStyleCnt="4">
         <dgm:presLayoutVars>
           <dgm:chMax val="0"/>
           <dgm:bulletEnabled val="1"/>
@@ -2245,12 +2211,12 @@
       </dgm:prSet>
       <dgm:spPr/>
     </dgm:pt>
-    <dgm:pt modelId="{2902C4FE-41D1-454E-B3C7-20C4931CFA54}" type="pres">
+    <dgm:pt modelId="{D4EB53EF-5C16-4DB1-B568-B3B662074796}" type="pres">
       <dgm:prSet presAssocID="{F45D0C35-0A31-4AE4-9990-4CFBCFFEFCFF}" presName="spacer" presStyleCnt="0"/>
       <dgm:spPr/>
     </dgm:pt>
-    <dgm:pt modelId="{8C319F18-50BD-4912-B57D-A75B46D67FF9}" type="pres">
-      <dgm:prSet presAssocID="{93F123A4-FF1A-4A2F-846F-1DE65A804B3F}" presName="parentText" presStyleLbl="node1" presStyleIdx="2" presStyleCnt="4" custScaleY="212162" custLinFactY="19830" custLinFactNeighborX="49" custLinFactNeighborY="100000">
+    <dgm:pt modelId="{D55EB78D-E50F-4CF9-94D8-E69FB4F910F1}" type="pres">
+      <dgm:prSet presAssocID="{93F123A4-FF1A-4A2F-846F-1DE65A804B3F}" presName="parentText" presStyleLbl="node1" presStyleIdx="2" presStyleCnt="4">
         <dgm:presLayoutVars>
           <dgm:chMax val="0"/>
           <dgm:bulletEnabled val="1"/>
@@ -2258,12 +2224,12 @@
       </dgm:prSet>
       <dgm:spPr/>
     </dgm:pt>
-    <dgm:pt modelId="{4B7AC4A5-9E23-427D-9324-11BEDB2732A7}" type="pres">
+    <dgm:pt modelId="{49A1B545-047D-4EB3-9891-9A74DC055662}" type="pres">
       <dgm:prSet presAssocID="{3F75748F-C34C-4225-9747-32D9A303077F}" presName="spacer" presStyleCnt="0"/>
       <dgm:spPr/>
     </dgm:pt>
-    <dgm:pt modelId="{18188D16-5AA4-4793-9F00-D3B2F942049C}" type="pres">
-      <dgm:prSet presAssocID="{5EFD09CD-23CA-46F5-96A4-29F26EFA5BF6}" presName="parentText" presStyleLbl="node1" presStyleIdx="3" presStyleCnt="4" custScaleY="239790" custLinFactY="34156" custLinFactNeighborX="49" custLinFactNeighborY="100000">
+    <dgm:pt modelId="{70F272A9-0495-4653-A302-D30B0CCFE80A}" type="pres">
+      <dgm:prSet presAssocID="{5EFD09CD-23CA-46F5-96A4-29F26EFA5BF6}" presName="parentText" presStyleLbl="node1" presStyleIdx="3" presStyleCnt="4">
         <dgm:presLayoutVars>
           <dgm:chMax val="0"/>
           <dgm:bulletEnabled val="1"/>
@@ -2273,28 +2239,28 @@
     </dgm:pt>
   </dgm:ptLst>
   <dgm:cxnLst>
-    <dgm:cxn modelId="{91120A05-7CA7-45EF-9DCB-D8BFA37F88C8}" type="presOf" srcId="{77A825FD-26ED-4CEE-8D32-9C2CDA5A71BF}" destId="{59689B60-0E02-41E0-9C85-D01A9EE08FEA}" srcOrd="0" destOrd="0" presId="urn:microsoft.com/office/officeart/2005/8/layout/vList2"/>
-    <dgm:cxn modelId="{1A023313-BEDA-4338-981F-804736C25797}" type="presOf" srcId="{A6FEEB26-3B5E-4DB9-8802-C5A0EB26B837}" destId="{D2DCA509-F4F8-4CAE-A755-95E1B71B08DD}" srcOrd="0" destOrd="0" presId="urn:microsoft.com/office/officeart/2005/8/layout/vList2"/>
+    <dgm:cxn modelId="{D212CC11-248B-41ED-9DB8-0C4F3AEFCD5C}" type="presOf" srcId="{77A825FD-26ED-4CEE-8D32-9C2CDA5A71BF}" destId="{E73D2F85-F202-4A77-ADA7-8EBC232665ED}" srcOrd="0" destOrd="0" presId="urn:microsoft.com/office/officeart/2005/8/layout/vList2"/>
     <dgm:cxn modelId="{D6BCEB38-A9D2-4966-8964-1A9108051935}" srcId="{A6FEEB26-3B5E-4DB9-8802-C5A0EB26B837}" destId="{93F123A4-FF1A-4A2F-846F-1DE65A804B3F}" srcOrd="2" destOrd="0" parTransId="{A3E4D3A0-F64E-452B-8A0B-893F5E01C5E0}" sibTransId="{3F75748F-C34C-4225-9747-32D9A303077F}"/>
-    <dgm:cxn modelId="{552BE245-4193-4F78-8C1D-732F6E3FCF9A}" type="presOf" srcId="{5EFD09CD-23CA-46F5-96A4-29F26EFA5BF6}" destId="{18188D16-5AA4-4793-9F00-D3B2F942049C}" srcOrd="0" destOrd="0" presId="urn:microsoft.com/office/officeart/2005/8/layout/vList2"/>
+    <dgm:cxn modelId="{1CE45142-2551-41B8-9D94-F39123A82C07}" type="presOf" srcId="{BE787198-CDD4-42C0-A65A-B5B8D1ECDB25}" destId="{1C6E7AD2-99CA-4308-A16A-713C082F1738}" srcOrd="0" destOrd="0" presId="urn:microsoft.com/office/officeart/2005/8/layout/vList2"/>
     <dgm:cxn modelId="{B917CD58-66A5-44E5-8C6A-0AC68EF20A8E}" srcId="{A6FEEB26-3B5E-4DB9-8802-C5A0EB26B837}" destId="{BE787198-CDD4-42C0-A65A-B5B8D1ECDB25}" srcOrd="1" destOrd="0" parTransId="{B5027A20-840F-42BE-9767-9615A51F3D48}" sibTransId="{F45D0C35-0A31-4AE4-9990-4CFBCFFEFCFF}"/>
+    <dgm:cxn modelId="{847A1787-DCFD-4166-A036-BEAAC9E9D935}" type="presOf" srcId="{5EFD09CD-23CA-46F5-96A4-29F26EFA5BF6}" destId="{70F272A9-0495-4653-A302-D30B0CCFE80A}" srcOrd="0" destOrd="0" presId="urn:microsoft.com/office/officeart/2005/8/layout/vList2"/>
     <dgm:cxn modelId="{CEF1758D-51E3-461E-8605-653890374369}" srcId="{A6FEEB26-3B5E-4DB9-8802-C5A0EB26B837}" destId="{5EFD09CD-23CA-46F5-96A4-29F26EFA5BF6}" srcOrd="3" destOrd="0" parTransId="{97FAE40E-8C70-492B-A717-6739C06F598C}" sibTransId="{0EF4D4A0-C81C-48B5-8668-974B08770CBA}"/>
-    <dgm:cxn modelId="{C39477B9-B4AB-4376-9298-617D6BFCCE2B}" type="presOf" srcId="{BE787198-CDD4-42C0-A65A-B5B8D1ECDB25}" destId="{D733079E-0C32-476D-B5D1-84D35DD5FF3B}" srcOrd="0" destOrd="0" presId="urn:microsoft.com/office/officeart/2005/8/layout/vList2"/>
-    <dgm:cxn modelId="{44FC4DEC-F002-4A2B-96E9-E5DF1EEF8FCF}" type="presOf" srcId="{93F123A4-FF1A-4A2F-846F-1DE65A804B3F}" destId="{8C319F18-50BD-4912-B57D-A75B46D67FF9}" srcOrd="0" destOrd="0" presId="urn:microsoft.com/office/officeart/2005/8/layout/vList2"/>
+    <dgm:cxn modelId="{829CF3B1-4DDD-46B0-A068-7C284A24C56E}" type="presOf" srcId="{93F123A4-FF1A-4A2F-846F-1DE65A804B3F}" destId="{D55EB78D-E50F-4CF9-94D8-E69FB4F910F1}" srcOrd="0" destOrd="0" presId="urn:microsoft.com/office/officeart/2005/8/layout/vList2"/>
+    <dgm:cxn modelId="{F7453AEE-9976-4FD4-806F-18CF2622BCB3}" type="presOf" srcId="{A6FEEB26-3B5E-4DB9-8802-C5A0EB26B837}" destId="{6B5BEE44-8F82-4CCE-ADD0-407F17774EA9}" srcOrd="0" destOrd="0" presId="urn:microsoft.com/office/officeart/2005/8/layout/vList2"/>
     <dgm:cxn modelId="{03E8C7F5-4A87-4DD1-9FF1-FD2A009A42BD}" srcId="{A6FEEB26-3B5E-4DB9-8802-C5A0EB26B837}" destId="{77A825FD-26ED-4CEE-8D32-9C2CDA5A71BF}" srcOrd="0" destOrd="0" parTransId="{812989F5-CA52-494C-97BA-09C4E98D1C88}" sibTransId="{4EC06201-9099-4C6E-A2AB-C43F822E54AF}"/>
-    <dgm:cxn modelId="{D62C2567-0C1A-45EC-ABEE-F517EB30EF65}" type="presParOf" srcId="{D2DCA509-F4F8-4CAE-A755-95E1B71B08DD}" destId="{59689B60-0E02-41E0-9C85-D01A9EE08FEA}" srcOrd="0" destOrd="0" presId="urn:microsoft.com/office/officeart/2005/8/layout/vList2"/>
-    <dgm:cxn modelId="{23E4ACC3-5B68-4D7E-A95F-8BCC17CC2E1F}" type="presParOf" srcId="{D2DCA509-F4F8-4CAE-A755-95E1B71B08DD}" destId="{E77F020A-ED84-4147-82C5-D487AEA9B9F2}" srcOrd="1" destOrd="0" presId="urn:microsoft.com/office/officeart/2005/8/layout/vList2"/>
-    <dgm:cxn modelId="{1E958214-AAB2-4379-BC3E-938B793BC2E6}" type="presParOf" srcId="{D2DCA509-F4F8-4CAE-A755-95E1B71B08DD}" destId="{D733079E-0C32-476D-B5D1-84D35DD5FF3B}" srcOrd="2" destOrd="0" presId="urn:microsoft.com/office/officeart/2005/8/layout/vList2"/>
-    <dgm:cxn modelId="{812A74C0-5009-4A17-B680-BF901BCE33B9}" type="presParOf" srcId="{D2DCA509-F4F8-4CAE-A755-95E1B71B08DD}" destId="{2902C4FE-41D1-454E-B3C7-20C4931CFA54}" srcOrd="3" destOrd="0" presId="urn:microsoft.com/office/officeart/2005/8/layout/vList2"/>
-    <dgm:cxn modelId="{776998E8-67D7-4762-8D33-6D6EF5696EC8}" type="presParOf" srcId="{D2DCA509-F4F8-4CAE-A755-95E1B71B08DD}" destId="{8C319F18-50BD-4912-B57D-A75B46D67FF9}" srcOrd="4" destOrd="0" presId="urn:microsoft.com/office/officeart/2005/8/layout/vList2"/>
-    <dgm:cxn modelId="{6B1F9DB9-4D5E-44A1-8EE2-FC2DE8256AD9}" type="presParOf" srcId="{D2DCA509-F4F8-4CAE-A755-95E1B71B08DD}" destId="{4B7AC4A5-9E23-427D-9324-11BEDB2732A7}" srcOrd="5" destOrd="0" presId="urn:microsoft.com/office/officeart/2005/8/layout/vList2"/>
-    <dgm:cxn modelId="{736C847F-FA5F-4FA6-B65B-41AE6E2959B1}" type="presParOf" srcId="{D2DCA509-F4F8-4CAE-A755-95E1B71B08DD}" destId="{18188D16-5AA4-4793-9F00-D3B2F942049C}" srcOrd="6" destOrd="0" presId="urn:microsoft.com/office/officeart/2005/8/layout/vList2"/>
+    <dgm:cxn modelId="{A5B42077-0792-4FE0-AFB2-72B7E182F24E}" type="presParOf" srcId="{6B5BEE44-8F82-4CCE-ADD0-407F17774EA9}" destId="{E73D2F85-F202-4A77-ADA7-8EBC232665ED}" srcOrd="0" destOrd="0" presId="urn:microsoft.com/office/officeart/2005/8/layout/vList2"/>
+    <dgm:cxn modelId="{7F89BB30-368B-49F6-8DAF-32DAB73A2F78}" type="presParOf" srcId="{6B5BEE44-8F82-4CCE-ADD0-407F17774EA9}" destId="{E9095FB3-3D94-4FD6-97BD-161704E3EAD6}" srcOrd="1" destOrd="0" presId="urn:microsoft.com/office/officeart/2005/8/layout/vList2"/>
+    <dgm:cxn modelId="{7B19CFB3-C9DE-4A0C-AD53-19901B0D1A43}" type="presParOf" srcId="{6B5BEE44-8F82-4CCE-ADD0-407F17774EA9}" destId="{1C6E7AD2-99CA-4308-A16A-713C082F1738}" srcOrd="2" destOrd="0" presId="urn:microsoft.com/office/officeart/2005/8/layout/vList2"/>
+    <dgm:cxn modelId="{70F78337-45A0-445C-9A44-7C3B7C004DA5}" type="presParOf" srcId="{6B5BEE44-8F82-4CCE-ADD0-407F17774EA9}" destId="{D4EB53EF-5C16-4DB1-B568-B3B662074796}" srcOrd="3" destOrd="0" presId="urn:microsoft.com/office/officeart/2005/8/layout/vList2"/>
+    <dgm:cxn modelId="{35B732B0-CFD0-4269-AC7C-1FACD9DF7F5E}" type="presParOf" srcId="{6B5BEE44-8F82-4CCE-ADD0-407F17774EA9}" destId="{D55EB78D-E50F-4CF9-94D8-E69FB4F910F1}" srcOrd="4" destOrd="0" presId="urn:microsoft.com/office/officeart/2005/8/layout/vList2"/>
+    <dgm:cxn modelId="{65BADCEC-A0CD-4E99-BCA7-F3D73E8DFC21}" type="presParOf" srcId="{6B5BEE44-8F82-4CCE-ADD0-407F17774EA9}" destId="{49A1B545-047D-4EB3-9891-9A74DC055662}" srcOrd="5" destOrd="0" presId="urn:microsoft.com/office/officeart/2005/8/layout/vList2"/>
+    <dgm:cxn modelId="{49A3FB08-FBBB-48FE-88A9-611134544648}" type="presParOf" srcId="{6B5BEE44-8F82-4CCE-ADD0-407F17774EA9}" destId="{70F272A9-0495-4653-A302-D30B0CCFE80A}" srcOrd="6" destOrd="0" presId="urn:microsoft.com/office/officeart/2005/8/layout/vList2"/>
   </dgm:cxnLst>
   <dgm:bg/>
   <dgm:whole/>
   <dgm:extLst>
     <a:ext uri="http://schemas.microsoft.com/office/drawing/2008/diagram">
-      <dsp:dataModelExt xmlns:dsp="http://schemas.microsoft.com/office/drawing/2008/diagram" relId="rId7" minVer="http://schemas.openxmlformats.org/drawingml/2006/diagram"/>
+      <dsp:dataModelExt xmlns:dsp="http://schemas.microsoft.com/office/drawing/2008/diagram" relId="rId8" minVer="http://schemas.openxmlformats.org/drawingml/2006/diagram"/>
     </a:ext>
   </dgm:extLst>
 </dgm:dataModel>
@@ -2322,7 +2288,7 @@
         <a:lstStyle/>
         <a:p>
           <a:r>
-            <a:rPr lang="en-US" sz="1600" b="1" dirty="0"/>
+            <a:rPr lang="en-US" sz="1800" b="1" dirty="0"/>
             <a:t>Q1 (5 Pts): Bill To High</a:t>
           </a:r>
         </a:p>
@@ -2364,7 +2330,7 @@
         <a:lstStyle/>
         <a:p>
           <a:r>
-            <a:rPr lang="en-US" sz="1600" b="1" i="0" dirty="0"/>
+            <a:rPr lang="en-US" sz="1800" b="1" i="0" dirty="0"/>
             <a:t>Q2 (5 Pts): Catch Sherlock Roasting Fools </a:t>
           </a:r>
         </a:p>
@@ -2411,7 +2377,7 @@
         <a:lstStyle/>
         <a:p>
           <a:r>
-            <a:rPr lang="en-US" sz="1600" b="1" dirty="0"/>
+            <a:rPr lang="en-US" sz="1800" b="1" dirty="0"/>
             <a:t>Q3 (5 Pts): Stephen</a:t>
           </a:r>
         </a:p>
@@ -2453,15 +2419,15 @@
         <a:lstStyle/>
         <a:p>
           <a:r>
-            <a:rPr lang="en-US" sz="1600" b="1" dirty="0"/>
+            <a:rPr lang="en-US" sz="1800" b="1" dirty="0"/>
             <a:t>Q4 (5 Pts): Try </a:t>
           </a:r>
           <a:r>
-            <a:rPr lang="en-US" sz="1600" b="1" dirty="0" err="1"/>
+            <a:rPr lang="en-US" sz="1800" b="1" dirty="0" err="1"/>
             <a:t>Try</a:t>
           </a:r>
           <a:r>
-            <a:rPr lang="en-US" sz="1600" b="1" dirty="0"/>
+            <a:rPr lang="en-US" sz="1800" b="1" dirty="0"/>
             <a:t> Again </a:t>
           </a:r>
         </a:p>
@@ -2590,729 +2556,21 @@
       <dsp:cNvGrpSpPr/>
     </dsp:nvGrpSpPr>
     <dsp:grpSpPr/>
-    <dsp:sp modelId="{59689B60-0E02-41E0-9C85-D01A9EE08FEA}">
+    <dsp:sp modelId="{E73D2F85-F202-4A77-ADA7-8EBC232665ED}">
       <dsp:nvSpPr>
         <dsp:cNvPr id="0" name=""/>
         <dsp:cNvSpPr/>
       </dsp:nvSpPr>
       <dsp:spPr>
         <a:xfrm>
-          <a:off x="0" y="213062"/>
-          <a:ext cx="6545199" cy="977635"/>
-        </a:xfrm>
-        <a:prstGeom prst="roundRect">
-          <a:avLst/>
-        </a:prstGeom>
-        <a:gradFill rotWithShape="0">
-          <a:gsLst>
-            <a:gs pos="0">
-              <a:schemeClr val="accent2">
-                <a:hueOff val="0"/>
-                <a:satOff val="0"/>
-                <a:lumOff val="0"/>
-                <a:alphaOff val="0"/>
-                <a:tint val="98000"/>
-                <a:lumMod val="100000"/>
-              </a:schemeClr>
-            </a:gs>
-            <a:gs pos="100000">
-              <a:schemeClr val="accent2">
-                <a:hueOff val="0"/>
-                <a:satOff val="0"/>
-                <a:lumOff val="0"/>
-                <a:alphaOff val="0"/>
-                <a:shade val="88000"/>
-                <a:lumMod val="88000"/>
-              </a:schemeClr>
-            </a:gs>
-          </a:gsLst>
-          <a:lin ang="5400000" scaled="1"/>
-        </a:gradFill>
-        <a:ln>
-          <a:noFill/>
-        </a:ln>
-        <a:effectLst>
-          <a:outerShdw blurRad="50800" dist="38100" dir="5400000" rotWithShape="0">
-            <a:srgbClr val="000000">
-              <a:alpha val="35000"/>
-            </a:srgbClr>
-          </a:outerShdw>
-        </a:effectLst>
-      </dsp:spPr>
-      <dsp:style>
-        <a:lnRef idx="0">
-          <a:scrgbClr r="0" g="0" b="0"/>
-        </a:lnRef>
-        <a:fillRef idx="3">
-          <a:scrgbClr r="0" g="0" b="0"/>
-        </a:fillRef>
-        <a:effectRef idx="2">
-          <a:scrgbClr r="0" g="0" b="0"/>
-        </a:effectRef>
-        <a:fontRef idx="minor">
-          <a:schemeClr val="lt1"/>
-        </a:fontRef>
-      </dsp:style>
-      <dsp:txBody>
-        <a:bodyPr spcFirstLastPara="0" vert="horz" wrap="square" lIns="60960" tIns="60960" rIns="60960" bIns="60960" numCol="1" spcCol="1270" anchor="ctr" anchorCtr="0">
-          <a:noAutofit/>
-        </a:bodyPr>
-        <a:lstStyle/>
-        <a:p>
-          <a:pPr marL="0" lvl="0" indent="0" algn="l" defTabSz="711200">
-            <a:lnSpc>
-              <a:spcPct val="90000"/>
-            </a:lnSpc>
-            <a:spcBef>
-              <a:spcPct val="0"/>
-            </a:spcBef>
-            <a:spcAft>
-              <a:spcPct val="35000"/>
-            </a:spcAft>
-            <a:buNone/>
-          </a:pPr>
-          <a:r>
-            <a:rPr lang="en-US" sz="1600" b="1" kern="1200" dirty="0"/>
-            <a:t>Q1 (5 Pts): Check Your Software</a:t>
-          </a:r>
-        </a:p>
-        <a:p>
-          <a:pPr marL="0" lvl="0" indent="0" algn="l" defTabSz="711200">
-            <a:lnSpc>
-              <a:spcPct val="90000"/>
-            </a:lnSpc>
-            <a:spcBef>
-              <a:spcPct val="0"/>
-            </a:spcBef>
-            <a:spcAft>
-              <a:spcPct val="35000"/>
-            </a:spcAft>
-            <a:buNone/>
-          </a:pPr>
-          <a:r>
-            <a:rPr lang="en-US" sz="1400" kern="1200" dirty="0"/>
-            <a:t>Can you crack this ciphertext: </a:t>
-          </a:r>
-        </a:p>
-        <a:p>
-          <a:pPr marL="0" lvl="0" indent="0" algn="l" defTabSz="711200">
-            <a:lnSpc>
-              <a:spcPct val="90000"/>
-            </a:lnSpc>
-            <a:spcBef>
-              <a:spcPct val="0"/>
-            </a:spcBef>
-            <a:spcAft>
-              <a:spcPct val="35000"/>
-            </a:spcAft>
-            <a:buNone/>
-          </a:pPr>
-          <a:r>
-            <a:rPr lang="en-US" sz="1400" b="0" i="0" kern="1200" dirty="0"/>
-            <a:t>f9fa10ba956cacf91d7878861139efb9</a:t>
-          </a:r>
-          <a:endParaRPr lang="en-US" sz="1400" kern="1200" dirty="0"/>
-        </a:p>
-      </dsp:txBody>
-      <dsp:txXfrm>
-        <a:off x="47724" y="260786"/>
-        <a:ext cx="6449751" cy="882187"/>
-      </dsp:txXfrm>
-    </dsp:sp>
-    <dsp:sp modelId="{D733079E-0C32-476D-B5D1-84D35DD5FF3B}">
-      <dsp:nvSpPr>
-        <dsp:cNvPr id="0" name=""/>
-        <dsp:cNvSpPr/>
-      </dsp:nvSpPr>
-      <dsp:spPr>
-        <a:xfrm>
-          <a:off x="0" y="1276808"/>
-          <a:ext cx="6545199" cy="980339"/>
-        </a:xfrm>
-        <a:prstGeom prst="roundRect">
-          <a:avLst/>
-        </a:prstGeom>
-        <a:gradFill rotWithShape="0">
-          <a:gsLst>
-            <a:gs pos="0">
-              <a:schemeClr val="accent2">
-                <a:hueOff val="-1036716"/>
-                <a:satOff val="-5484"/>
-                <a:lumOff val="-2091"/>
-                <a:alphaOff val="0"/>
-                <a:tint val="98000"/>
-                <a:lumMod val="100000"/>
-              </a:schemeClr>
-            </a:gs>
-            <a:gs pos="100000">
-              <a:schemeClr val="accent2">
-                <a:hueOff val="-1036716"/>
-                <a:satOff val="-5484"/>
-                <a:lumOff val="-2091"/>
-                <a:alphaOff val="0"/>
-                <a:shade val="88000"/>
-                <a:lumMod val="88000"/>
-              </a:schemeClr>
-            </a:gs>
-          </a:gsLst>
-          <a:lin ang="5400000" scaled="1"/>
-        </a:gradFill>
-        <a:ln>
-          <a:noFill/>
-        </a:ln>
-        <a:effectLst>
-          <a:outerShdw blurRad="50800" dist="38100" dir="5400000" rotWithShape="0">
-            <a:srgbClr val="000000">
-              <a:alpha val="35000"/>
-            </a:srgbClr>
-          </a:outerShdw>
-        </a:effectLst>
-      </dsp:spPr>
-      <dsp:style>
-        <a:lnRef idx="0">
-          <a:scrgbClr r="0" g="0" b="0"/>
-        </a:lnRef>
-        <a:fillRef idx="3">
-          <a:scrgbClr r="0" g="0" b="0"/>
-        </a:fillRef>
-        <a:effectRef idx="2">
-          <a:scrgbClr r="0" g="0" b="0"/>
-        </a:effectRef>
-        <a:fontRef idx="minor">
-          <a:schemeClr val="lt1"/>
-        </a:fontRef>
-      </dsp:style>
-      <dsp:txBody>
-        <a:bodyPr spcFirstLastPara="0" vert="horz" wrap="square" lIns="60960" tIns="60960" rIns="60960" bIns="60960" numCol="1" spcCol="1270" anchor="ctr" anchorCtr="0">
-          <a:noAutofit/>
-        </a:bodyPr>
-        <a:lstStyle/>
-        <a:p>
-          <a:pPr marL="0" lvl="0" indent="0" algn="l" defTabSz="711200">
-            <a:lnSpc>
-              <a:spcPct val="90000"/>
-            </a:lnSpc>
-            <a:spcBef>
-              <a:spcPct val="0"/>
-            </a:spcBef>
-            <a:spcAft>
-              <a:spcPct val="35000"/>
-            </a:spcAft>
-            <a:buNone/>
-          </a:pPr>
-          <a:r>
-            <a:rPr lang="en-US" sz="1600" b="1" kern="1200" dirty="0"/>
-            <a:t>Q2 (5 Pts): Protect the Fort </a:t>
-          </a:r>
-        </a:p>
-        <a:p>
-          <a:pPr marL="0" lvl="0" indent="0" algn="l" defTabSz="711200">
-            <a:lnSpc>
-              <a:spcPct val="90000"/>
-            </a:lnSpc>
-            <a:spcBef>
-              <a:spcPct val="0"/>
-            </a:spcBef>
-            <a:spcAft>
-              <a:spcPct val="35000"/>
-            </a:spcAft>
-            <a:buNone/>
-          </a:pPr>
-          <a:r>
-            <a:rPr lang="en-US" sz="1400" kern="1200" dirty="0"/>
-            <a:t>Can you crack this ciphertext:</a:t>
-          </a:r>
-        </a:p>
-        <a:p>
-          <a:pPr marL="0" lvl="0" indent="0" algn="l" defTabSz="711200">
-            <a:lnSpc>
-              <a:spcPct val="90000"/>
-            </a:lnSpc>
-            <a:spcBef>
-              <a:spcPct val="0"/>
-            </a:spcBef>
-            <a:spcAft>
-              <a:spcPct val="35000"/>
-            </a:spcAft>
-            <a:buNone/>
-          </a:pPr>
-          <a:r>
-            <a:rPr lang="en-US" sz="1400" b="0" i="0" kern="1200" dirty="0"/>
-            <a:t>c29tZSBwZW9wbGUgY2FsbCBmb3J0cyBiYXNlcyB0b28=</a:t>
-          </a:r>
-          <a:endParaRPr lang="en-US" sz="1400" kern="1200" dirty="0"/>
-        </a:p>
-      </dsp:txBody>
-      <dsp:txXfrm>
-        <a:off x="47856" y="1324664"/>
-        <a:ext cx="6449487" cy="884627"/>
-      </dsp:txXfrm>
-    </dsp:sp>
-    <dsp:sp modelId="{8C319F18-50BD-4912-B57D-A75B46D67FF9}">
-      <dsp:nvSpPr>
-        <dsp:cNvPr id="0" name=""/>
-        <dsp:cNvSpPr/>
-      </dsp:nvSpPr>
-      <dsp:spPr>
-        <a:xfrm>
-          <a:off x="0" y="2358181"/>
-          <a:ext cx="6545199" cy="1151940"/>
-        </a:xfrm>
-        <a:prstGeom prst="roundRect">
-          <a:avLst/>
-        </a:prstGeom>
-        <a:gradFill rotWithShape="0">
-          <a:gsLst>
-            <a:gs pos="0">
-              <a:schemeClr val="accent2">
-                <a:hueOff val="-2073432"/>
-                <a:satOff val="-10969"/>
-                <a:lumOff val="-4183"/>
-                <a:alphaOff val="0"/>
-                <a:tint val="98000"/>
-                <a:lumMod val="100000"/>
-              </a:schemeClr>
-            </a:gs>
-            <a:gs pos="100000">
-              <a:schemeClr val="accent2">
-                <a:hueOff val="-2073432"/>
-                <a:satOff val="-10969"/>
-                <a:lumOff val="-4183"/>
-                <a:alphaOff val="0"/>
-                <a:shade val="88000"/>
-                <a:lumMod val="88000"/>
-              </a:schemeClr>
-            </a:gs>
-          </a:gsLst>
-          <a:lin ang="5400000" scaled="1"/>
-        </a:gradFill>
-        <a:ln>
-          <a:noFill/>
-        </a:ln>
-        <a:effectLst>
-          <a:outerShdw blurRad="50800" dist="38100" dir="5400000" rotWithShape="0">
-            <a:srgbClr val="000000">
-              <a:alpha val="35000"/>
-            </a:srgbClr>
-          </a:outerShdw>
-        </a:effectLst>
-      </dsp:spPr>
-      <dsp:style>
-        <a:lnRef idx="0">
-          <a:scrgbClr r="0" g="0" b="0"/>
-        </a:lnRef>
-        <a:fillRef idx="3">
-          <a:scrgbClr r="0" g="0" b="0"/>
-        </a:fillRef>
-        <a:effectRef idx="2">
-          <a:scrgbClr r="0" g="0" b="0"/>
-        </a:effectRef>
-        <a:fontRef idx="minor">
-          <a:schemeClr val="lt1"/>
-        </a:fontRef>
-      </dsp:style>
-      <dsp:txBody>
-        <a:bodyPr spcFirstLastPara="0" vert="horz" wrap="square" lIns="60960" tIns="60960" rIns="60960" bIns="60960" numCol="1" spcCol="1270" anchor="ctr" anchorCtr="0">
-          <a:noAutofit/>
-        </a:bodyPr>
-        <a:lstStyle/>
-        <a:p>
-          <a:pPr marL="0" lvl="0" indent="0" algn="l" defTabSz="711200">
-            <a:lnSpc>
-              <a:spcPct val="90000"/>
-            </a:lnSpc>
-            <a:spcBef>
-              <a:spcPct val="0"/>
-            </a:spcBef>
-            <a:spcAft>
-              <a:spcPct val="35000"/>
-            </a:spcAft>
-            <a:buNone/>
-          </a:pPr>
-          <a:r>
-            <a:rPr lang="en-US" sz="1600" b="1" kern="1200" dirty="0"/>
-            <a:t>Q3 (5 Pts): Role Reversal</a:t>
-          </a:r>
-        </a:p>
-        <a:p>
-          <a:pPr marL="0" lvl="0" indent="0" algn="l" defTabSz="711200">
-            <a:lnSpc>
-              <a:spcPct val="90000"/>
-            </a:lnSpc>
-            <a:spcBef>
-              <a:spcPct val="0"/>
-            </a:spcBef>
-            <a:spcAft>
-              <a:spcPct val="35000"/>
-            </a:spcAft>
-            <a:buNone/>
-          </a:pPr>
-          <a:r>
-            <a:rPr lang="en-US" sz="1400" kern="1200" dirty="0"/>
-            <a:t>Can you crack this ciphertext:</a:t>
-          </a:r>
-        </a:p>
-        <a:p>
-          <a:pPr marL="0" lvl="0" indent="0" algn="l" defTabSz="711200">
-            <a:lnSpc>
-              <a:spcPct val="90000"/>
-            </a:lnSpc>
-            <a:spcBef>
-              <a:spcPct val="0"/>
-            </a:spcBef>
-            <a:spcAft>
-              <a:spcPct val="35000"/>
-            </a:spcAft>
-            <a:buNone/>
-          </a:pPr>
-          <a:r>
-            <a:rPr lang="en-US" sz="1400" b="0" i="0" kern="1200" dirty="0" err="1"/>
-            <a:t>Dszg</a:t>
-          </a:r>
-          <a:r>
-            <a:rPr lang="en-US" sz="1400" b="0" i="0" kern="1200" dirty="0"/>
-            <a:t> </a:t>
-          </a:r>
-          <a:r>
-            <a:rPr lang="en-US" sz="1400" b="0" i="0" kern="1200" dirty="0" err="1"/>
-            <a:t>dlfow</a:t>
-          </a:r>
-          <a:r>
-            <a:rPr lang="en-US" sz="1400" b="0" i="0" kern="1200" dirty="0"/>
-            <a:t> </a:t>
-          </a:r>
-          <a:r>
-            <a:rPr lang="en-US" sz="1400" b="0" i="0" kern="1200" dirty="0" err="1"/>
-            <a:t>szkkvm</a:t>
-          </a:r>
-          <a:r>
-            <a:rPr lang="en-US" sz="1400" b="0" i="0" kern="1200" dirty="0"/>
-            <a:t> </a:t>
-          </a:r>
-          <a:r>
-            <a:rPr lang="en-US" sz="1400" b="0" i="0" kern="1200" dirty="0" err="1"/>
-            <a:t>ru</a:t>
-          </a:r>
-          <a:r>
-            <a:rPr lang="en-US" sz="1400" b="0" i="0" kern="1200" dirty="0"/>
-            <a:t> </a:t>
-          </a:r>
-          <a:r>
-            <a:rPr lang="en-US" sz="1400" b="0" i="0" kern="1200" dirty="0" err="1"/>
-            <a:t>Hsviolxp</a:t>
-          </a:r>
-          <a:r>
-            <a:rPr lang="en-US" sz="1400" b="0" i="0" kern="1200" dirty="0"/>
-            <a:t> </a:t>
-          </a:r>
-          <a:r>
-            <a:rPr lang="en-US" sz="1400" b="0" i="0" kern="1200" dirty="0" err="1"/>
-            <a:t>zmw</a:t>
-          </a:r>
-          <a:r>
-            <a:rPr lang="en-US" sz="1400" b="0" i="0" kern="1200" dirty="0"/>
-            <a:t> </a:t>
-          </a:r>
-          <a:r>
-            <a:rPr lang="en-US" sz="1400" b="0" i="0" kern="1200" dirty="0" err="1"/>
-            <a:t>Dzghlm</a:t>
-          </a:r>
-          <a:r>
-            <a:rPr lang="en-US" sz="1400" b="0" i="0" kern="1200" dirty="0"/>
-            <a:t> </a:t>
-          </a:r>
-          <a:r>
-            <a:rPr lang="en-US" sz="1400" b="0" i="0" kern="1200" dirty="0" err="1"/>
-            <a:t>hdrgxsvw</a:t>
-          </a:r>
-          <a:r>
-            <a:rPr lang="en-US" sz="1400" b="0" i="0" kern="1200" dirty="0"/>
-            <a:t> </a:t>
-          </a:r>
-          <a:r>
-            <a:rPr lang="en-US" sz="1400" b="0" i="0" kern="1200" dirty="0" err="1"/>
-            <a:t>kozxvh</a:t>
-          </a:r>
-          <a:r>
-            <a:rPr lang="en-US" sz="1400" b="0" i="0" kern="1200" dirty="0"/>
-            <a:t>? </a:t>
-          </a:r>
-          <a:r>
-            <a:rPr lang="en-US" sz="1400" b="0" i="0" kern="1200" dirty="0" err="1"/>
-            <a:t>Gsvm</a:t>
-          </a:r>
-          <a:r>
-            <a:rPr lang="en-US" sz="1400" b="0" i="0" kern="1200" dirty="0"/>
-            <a:t> </a:t>
-          </a:r>
-          <a:r>
-            <a:rPr lang="en-US" sz="1400" b="0" i="0" kern="1200" dirty="0" err="1"/>
-            <a:t>Dzghlm</a:t>
-          </a:r>
-          <a:r>
-            <a:rPr lang="en-US" sz="1400" b="0" i="0" kern="1200" dirty="0"/>
-            <a:t> </a:t>
-          </a:r>
-          <a:r>
-            <a:rPr lang="en-US" sz="1400" b="0" i="0" kern="1200" dirty="0" err="1"/>
-            <a:t>dlfow</a:t>
-          </a:r>
-          <a:r>
-            <a:rPr lang="en-US" sz="1400" b="0" i="0" kern="1200" dirty="0"/>
-            <a:t> </a:t>
-          </a:r>
-          <a:r>
-            <a:rPr lang="en-US" sz="1400" b="0" i="0" kern="1200" dirty="0" err="1"/>
-            <a:t>hzb</a:t>
-          </a:r>
-          <a:r>
-            <a:rPr lang="en-US" sz="1400" b="0" i="0" kern="1200" dirty="0"/>
-            <a:t>, "</a:t>
-          </a:r>
-          <a:r>
-            <a:rPr lang="en-US" sz="1400" b="0" i="0" kern="1200" dirty="0" err="1"/>
-            <a:t>Vovnvmgzib</a:t>
-          </a:r>
-          <a:r>
-            <a:rPr lang="en-US" sz="1400" b="0" i="0" kern="1200" dirty="0"/>
-            <a:t>, </a:t>
-          </a:r>
-          <a:r>
-            <a:rPr lang="en-US" sz="1400" b="0" i="0" kern="1200" dirty="0" err="1"/>
-            <a:t>nb</a:t>
-          </a:r>
-          <a:r>
-            <a:rPr lang="en-US" sz="1400" b="0" i="0" kern="1200" dirty="0"/>
-            <a:t> </a:t>
-          </a:r>
-          <a:r>
-            <a:rPr lang="en-US" sz="1400" b="0" i="0" kern="1200" dirty="0" err="1"/>
-            <a:t>wvzi</a:t>
-          </a:r>
-          <a:r>
-            <a:rPr lang="en-US" sz="1400" b="0" i="0" kern="1200" dirty="0"/>
-            <a:t> </a:t>
-          </a:r>
-          <a:r>
-            <a:rPr lang="en-US" sz="1400" b="0" i="0" kern="1200" dirty="0" err="1"/>
-            <a:t>Hsviolxp</a:t>
-          </a:r>
-          <a:r>
-            <a:rPr lang="en-US" sz="1400" b="0" i="0" kern="1200" dirty="0"/>
-            <a:t>." </a:t>
-          </a:r>
-          <a:r>
-            <a:rPr lang="en-US" sz="1400" b="0" i="0" kern="1200" dirty="0" err="1"/>
-            <a:t>Zmw</a:t>
-          </a:r>
-          <a:r>
-            <a:rPr lang="en-US" sz="1400" b="0" i="0" kern="1200" dirty="0"/>
-            <a:t> </a:t>
-          </a:r>
-          <a:r>
-            <a:rPr lang="en-US" sz="1400" b="0" i="0" kern="1200" dirty="0" err="1"/>
-            <a:t>gszg</a:t>
-          </a:r>
-          <a:r>
-            <a:rPr lang="en-US" sz="1400" b="0" i="0" kern="1200" dirty="0"/>
-            <a:t> </a:t>
-          </a:r>
-          <a:r>
-            <a:rPr lang="en-US" sz="1400" b="0" i="0" kern="1200" dirty="0" err="1"/>
-            <a:t>dlfow</a:t>
-          </a:r>
-          <a:r>
-            <a:rPr lang="en-US" sz="1400" b="0" i="0" kern="1200" dirty="0"/>
-            <a:t> </a:t>
-          </a:r>
-          <a:r>
-            <a:rPr lang="en-US" sz="1400" b="0" i="0" kern="1200" dirty="0" err="1"/>
-            <a:t>qfhg</a:t>
-          </a:r>
-          <a:r>
-            <a:rPr lang="en-US" sz="1400" b="0" i="0" kern="1200" dirty="0"/>
-            <a:t> </a:t>
-          </a:r>
-          <a:r>
-            <a:rPr lang="en-US" sz="1400" b="0" i="0" kern="1200" dirty="0" err="1"/>
-            <a:t>hlfmw</a:t>
-          </a:r>
-          <a:r>
-            <a:rPr lang="en-US" sz="1400" b="0" i="0" kern="1200" dirty="0"/>
-            <a:t> </a:t>
-          </a:r>
-          <a:r>
-            <a:rPr lang="en-US" sz="1400" b="0" i="0" kern="1200" dirty="0" err="1"/>
-            <a:t>dvriw</a:t>
-          </a:r>
-          <a:r>
-            <a:rPr lang="en-US" sz="1400" b="0" i="0" kern="1200" dirty="0"/>
-            <a:t>.</a:t>
-          </a:r>
-          <a:endParaRPr lang="en-US" sz="1400" kern="1200" dirty="0"/>
-        </a:p>
-      </dsp:txBody>
-      <dsp:txXfrm>
-        <a:off x="56233" y="2414414"/>
-        <a:ext cx="6432733" cy="1039474"/>
-      </dsp:txXfrm>
-    </dsp:sp>
-    <dsp:sp modelId="{18188D16-5AA4-4793-9F00-D3B2F942049C}">
-      <dsp:nvSpPr>
-        <dsp:cNvPr id="0" name=""/>
-        <dsp:cNvSpPr/>
-      </dsp:nvSpPr>
-      <dsp:spPr>
-        <a:xfrm>
-          <a:off x="0" y="3602305"/>
-          <a:ext cx="6545199" cy="1301947"/>
-        </a:xfrm>
-        <a:prstGeom prst="roundRect">
-          <a:avLst/>
-        </a:prstGeom>
-        <a:gradFill rotWithShape="0">
-          <a:gsLst>
-            <a:gs pos="0">
-              <a:schemeClr val="accent2">
-                <a:hueOff val="-3110148"/>
-                <a:satOff val="-16453"/>
-                <a:lumOff val="-6274"/>
-                <a:alphaOff val="0"/>
-                <a:tint val="98000"/>
-                <a:lumMod val="100000"/>
-              </a:schemeClr>
-            </a:gs>
-            <a:gs pos="100000">
-              <a:schemeClr val="accent2">
-                <a:hueOff val="-3110148"/>
-                <a:satOff val="-16453"/>
-                <a:lumOff val="-6274"/>
-                <a:alphaOff val="0"/>
-                <a:shade val="88000"/>
-                <a:lumMod val="88000"/>
-              </a:schemeClr>
-            </a:gs>
-          </a:gsLst>
-          <a:lin ang="5400000" scaled="1"/>
-        </a:gradFill>
-        <a:ln>
-          <a:noFill/>
-        </a:ln>
-        <a:effectLst>
-          <a:outerShdw blurRad="50800" dist="38100" dir="5400000" rotWithShape="0">
-            <a:srgbClr val="000000">
-              <a:alpha val="35000"/>
-            </a:srgbClr>
-          </a:outerShdw>
-        </a:effectLst>
-      </dsp:spPr>
-      <dsp:style>
-        <a:lnRef idx="0">
-          <a:scrgbClr r="0" g="0" b="0"/>
-        </a:lnRef>
-        <a:fillRef idx="3">
-          <a:scrgbClr r="0" g="0" b="0"/>
-        </a:fillRef>
-        <a:effectRef idx="2">
-          <a:scrgbClr r="0" g="0" b="0"/>
-        </a:effectRef>
-        <a:fontRef idx="minor">
-          <a:schemeClr val="lt1"/>
-        </a:fontRef>
-      </dsp:style>
-      <dsp:txBody>
-        <a:bodyPr spcFirstLastPara="0" vert="horz" wrap="square" lIns="60960" tIns="60960" rIns="60960" bIns="60960" numCol="1" spcCol="1270" anchor="ctr" anchorCtr="0">
-          <a:noAutofit/>
-        </a:bodyPr>
-        <a:lstStyle/>
-        <a:p>
-          <a:pPr marL="0" lvl="0" indent="0" algn="l" defTabSz="711200">
-            <a:lnSpc>
-              <a:spcPct val="90000"/>
-            </a:lnSpc>
-            <a:spcBef>
-              <a:spcPct val="0"/>
-            </a:spcBef>
-            <a:spcAft>
-              <a:spcPct val="35000"/>
-            </a:spcAft>
-            <a:buNone/>
-          </a:pPr>
-          <a:r>
-            <a:rPr lang="en-US" sz="1600" b="1" kern="1200" dirty="0"/>
-            <a:t>Q4 (5 Pts): Breakfast Food</a:t>
-          </a:r>
-        </a:p>
-        <a:p>
-          <a:pPr marL="0" lvl="0" indent="0" algn="l" defTabSz="711200">
-            <a:lnSpc>
-              <a:spcPct val="90000"/>
-            </a:lnSpc>
-            <a:spcBef>
-              <a:spcPct val="0"/>
-            </a:spcBef>
-            <a:spcAft>
-              <a:spcPct val="35000"/>
-            </a:spcAft>
-            <a:buNone/>
-          </a:pPr>
-          <a:r>
-            <a:rPr lang="en-US" sz="1400" b="0" i="0" kern="1200" dirty="0"/>
-            <a:t>Can you crack this ciphertext:</a:t>
-          </a:r>
-        </a:p>
-        <a:p>
-          <a:pPr marL="0" lvl="0" indent="0" algn="l" defTabSz="711200">
-            <a:lnSpc>
-              <a:spcPct val="90000"/>
-            </a:lnSpc>
-            <a:spcBef>
-              <a:spcPct val="0"/>
-            </a:spcBef>
-            <a:spcAft>
-              <a:spcPct val="35000"/>
-            </a:spcAft>
-            <a:buNone/>
-          </a:pPr>
-          <a:r>
-            <a:rPr lang="en-US" sz="1400" b="0" i="0" kern="1200" dirty="0"/>
-            <a:t>BAABBAABBBABAAABAABA BAABAAABBBABBBABABAAABABBAAABB AAAABAABAA AAAAABAABA AABAAAAAAABAABABBAAA AAAAABAABA AABAAAAAAABAABBABAAAABBABAABBA AAAABAAAAAAAABAABBBAABBAB</a:t>
-          </a:r>
-          <a:endParaRPr lang="en-US" sz="1400" kern="1200" dirty="0"/>
-        </a:p>
-      </dsp:txBody>
-      <dsp:txXfrm>
-        <a:off x="63556" y="3665861"/>
-        <a:ext cx="6418087" cy="1174835"/>
-      </dsp:txXfrm>
-    </dsp:sp>
-  </dsp:spTree>
-</dsp:drawing>
-</file>
-
-<file path=ppt/diagrams/drawing2.xml><?xml version="1.0" encoding="utf-8"?>
-<dsp:drawing xmlns:dgm="http://schemas.openxmlformats.org/drawingml/2006/diagram" xmlns:dsp="http://schemas.microsoft.com/office/drawing/2008/diagram" xmlns:a="http://schemas.openxmlformats.org/drawingml/2006/main">
-  <dsp:spTree>
-    <dsp:nvGrpSpPr>
-      <dsp:cNvPr id="0" name=""/>
-      <dsp:cNvGrpSpPr/>
-    </dsp:nvGrpSpPr>
-    <dsp:grpSpPr/>
-    <dsp:sp modelId="{61E4768C-AB46-487F-9338-13BBC6B8797F}">
-      <dsp:nvSpPr>
-        <dsp:cNvPr id="0" name=""/>
-        <dsp:cNvSpPr/>
-      </dsp:nvSpPr>
-      <dsp:spPr>
-        <a:xfrm>
-          <a:off x="0" y="9840"/>
-          <a:ext cx="5886291" cy="1129342"/>
+          <a:off x="0" y="177"/>
+          <a:ext cx="5886291" cy="1218688"/>
         </a:xfrm>
         <a:prstGeom prst="roundRect">
           <a:avLst/>
         </a:prstGeom>
         <a:solidFill>
-          <a:schemeClr val="accent2">
+          <a:schemeClr val="accent1">
             <a:hueOff val="0"/>
             <a:satOff val="0"/>
             <a:lumOff val="0"/>
@@ -3366,7 +2624,7 @@
           </a:pPr>
           <a:r>
             <a:rPr lang="en-US" sz="1600" b="1" kern="1200" dirty="0"/>
-            <a:t>Q1 (5 Pts): Bill To High</a:t>
+            <a:t>Q1 (5 Pts): Check Your Software</a:t>
           </a:r>
         </a:p>
         <a:p>
@@ -3383,85 +2641,8 @@
             <a:buNone/>
           </a:pPr>
           <a:r>
-            <a:rPr lang="en-US" sz="1400" kern="1200" dirty="0"/>
-            <a:t>What is the attack called when an attacker has encrypted all of the victim's information and is willing to decrypt it for a price?</a:t>
-          </a:r>
-        </a:p>
-      </dsp:txBody>
-      <dsp:txXfrm>
-        <a:off x="55130" y="64970"/>
-        <a:ext cx="5776031" cy="1019082"/>
-      </dsp:txXfrm>
-    </dsp:sp>
-    <dsp:sp modelId="{F6AA2544-7C8C-42A1-9CCB-48AA059C4A71}">
-      <dsp:nvSpPr>
-        <dsp:cNvPr id="0" name=""/>
-        <dsp:cNvSpPr/>
-      </dsp:nvSpPr>
-      <dsp:spPr>
-        <a:xfrm>
-          <a:off x="0" y="1265903"/>
-          <a:ext cx="5886291" cy="1129342"/>
-        </a:xfrm>
-        <a:prstGeom prst="roundRect">
-          <a:avLst/>
-        </a:prstGeom>
-        <a:solidFill>
-          <a:schemeClr val="accent3">
-            <a:hueOff val="0"/>
-            <a:satOff val="0"/>
-            <a:lumOff val="0"/>
-            <a:alphaOff val="0"/>
-          </a:schemeClr>
-        </a:solidFill>
-        <a:ln w="19050" cap="rnd" cmpd="sng" algn="ctr">
-          <a:solidFill>
-            <a:schemeClr val="lt1">
-              <a:hueOff val="0"/>
-              <a:satOff val="0"/>
-              <a:lumOff val="0"/>
-              <a:alphaOff val="0"/>
-            </a:schemeClr>
-          </a:solidFill>
-          <a:prstDash val="solid"/>
-        </a:ln>
-        <a:effectLst/>
-      </dsp:spPr>
-      <dsp:style>
-        <a:lnRef idx="2">
-          <a:scrgbClr r="0" g="0" b="0"/>
-        </a:lnRef>
-        <a:fillRef idx="1">
-          <a:scrgbClr r="0" g="0" b="0"/>
-        </a:fillRef>
-        <a:effectRef idx="0">
-          <a:scrgbClr r="0" g="0" b="0"/>
-        </a:effectRef>
-        <a:fontRef idx="minor">
-          <a:schemeClr val="lt1"/>
-        </a:fontRef>
-      </dsp:style>
-      <dsp:txBody>
-        <a:bodyPr spcFirstLastPara="0" vert="horz" wrap="square" lIns="60960" tIns="60960" rIns="60960" bIns="60960" numCol="1" spcCol="1270" anchor="ctr" anchorCtr="0">
-          <a:noAutofit/>
-        </a:bodyPr>
-        <a:lstStyle/>
-        <a:p>
-          <a:pPr marL="0" lvl="0" indent="0" algn="l" defTabSz="711200">
-            <a:lnSpc>
-              <a:spcPct val="90000"/>
-            </a:lnSpc>
-            <a:spcBef>
-              <a:spcPct val="0"/>
-            </a:spcBef>
-            <a:spcAft>
-              <a:spcPct val="35000"/>
-            </a:spcAft>
-            <a:buNone/>
-          </a:pPr>
-          <a:r>
-            <a:rPr lang="en-US" sz="1600" b="1" i="0" kern="1200" dirty="0"/>
-            <a:t>Q2 (5 Pts): Catch Sherlock Roasting Fools </a:t>
+            <a:rPr lang="en-US" sz="1200" kern="1200" dirty="0"/>
+            <a:t>Can you crack this ciphertext: </a:t>
           </a:r>
         </a:p>
         <a:p>
@@ -3478,36 +2659,32 @@
             <a:buNone/>
           </a:pPr>
           <a:r>
-            <a:rPr lang="en-US" sz="1400" kern="1200" dirty="0"/>
-            <a:t>W</a:t>
+            <a:rPr lang="en-US" sz="1200" b="0" i="0" kern="1200" dirty="0"/>
+            <a:t>f9fa10ba956cacf91d7878861139efb9</a:t>
           </a:r>
-          <a:r>
-            <a:rPr lang="en-US" sz="1400" b="0" i="0" kern="1200" dirty="0"/>
-            <a:t>hat does CSRF stand for?</a:t>
-          </a:r>
-          <a:endParaRPr lang="en-US" sz="1400" kern="1200" dirty="0"/>
+          <a:endParaRPr lang="en-US" sz="1200" kern="1200" dirty="0"/>
         </a:p>
       </dsp:txBody>
       <dsp:txXfrm>
-        <a:off x="55130" y="1321033"/>
-        <a:ext cx="5776031" cy="1019082"/>
+        <a:off x="59491" y="59668"/>
+        <a:ext cx="5767309" cy="1099706"/>
       </dsp:txXfrm>
     </dsp:sp>
-    <dsp:sp modelId="{73217B24-AD38-4749-BD6F-0C3F19179EEE}">
+    <dsp:sp modelId="{1C6E7AD2-99CA-4308-A16A-713C082F1738}">
       <dsp:nvSpPr>
         <dsp:cNvPr id="0" name=""/>
         <dsp:cNvSpPr/>
       </dsp:nvSpPr>
       <dsp:spPr>
         <a:xfrm>
-          <a:off x="0" y="2521965"/>
-          <a:ext cx="5886291" cy="1129342"/>
+          <a:off x="0" y="1232900"/>
+          <a:ext cx="5886291" cy="1218688"/>
         </a:xfrm>
         <a:prstGeom prst="roundRect">
           <a:avLst/>
         </a:prstGeom>
         <a:solidFill>
-          <a:schemeClr val="accent4">
+          <a:schemeClr val="accent1">
             <a:hueOff val="0"/>
             <a:satOff val="0"/>
             <a:lumOff val="0"/>
@@ -3561,7 +2738,7 @@
           </a:pPr>
           <a:r>
             <a:rPr lang="en-US" sz="1600" b="1" kern="1200" dirty="0"/>
-            <a:t>Q3 (5 Pts): Stephen</a:t>
+            <a:t>Q2 (5 Pts): Protect The Fort </a:t>
           </a:r>
         </a:p>
         <a:p>
@@ -3578,31 +2755,50 @@
             <a:buNone/>
           </a:pPr>
           <a:r>
-            <a:rPr lang="en-US" sz="1400" kern="1200" dirty="0"/>
-            <a:t>What is called when you send emails that look like they're from real websites, but in reality it's fake and you're gathering information about others, such as passwords or credit card numbers?</a:t>
+            <a:rPr lang="en-US" sz="1200" kern="1200" dirty="0"/>
+            <a:t>Can you crack this ciphertext:</a:t>
           </a:r>
+        </a:p>
+        <a:p>
+          <a:pPr marL="0" lvl="0" indent="0" algn="l" defTabSz="711200">
+            <a:lnSpc>
+              <a:spcPct val="90000"/>
+            </a:lnSpc>
+            <a:spcBef>
+              <a:spcPct val="0"/>
+            </a:spcBef>
+            <a:spcAft>
+              <a:spcPct val="35000"/>
+            </a:spcAft>
+            <a:buNone/>
+          </a:pPr>
+          <a:r>
+            <a:rPr lang="en-US" sz="1200" b="0" i="0" kern="1200" dirty="0"/>
+            <a:t>c29tZSBwZW9wbGUgY2FsbCBmb3J0cyBiYXNlcyB0b28=</a:t>
+          </a:r>
+          <a:endParaRPr lang="en-US" sz="1200" kern="1200" dirty="0"/>
         </a:p>
       </dsp:txBody>
       <dsp:txXfrm>
-        <a:off x="55130" y="2577095"/>
-        <a:ext cx="5776031" cy="1019082"/>
+        <a:off x="59491" y="1292391"/>
+        <a:ext cx="5767309" cy="1099706"/>
       </dsp:txXfrm>
     </dsp:sp>
-    <dsp:sp modelId="{AFCFEAA5-86DD-4748-9A7C-D115A2916C9D}">
+    <dsp:sp modelId="{D55EB78D-E50F-4CF9-94D8-E69FB4F910F1}">
       <dsp:nvSpPr>
         <dsp:cNvPr id="0" name=""/>
         <dsp:cNvSpPr/>
       </dsp:nvSpPr>
       <dsp:spPr>
         <a:xfrm>
-          <a:off x="0" y="3778028"/>
-          <a:ext cx="5886291" cy="1129342"/>
+          <a:off x="0" y="2465622"/>
+          <a:ext cx="5886291" cy="1218688"/>
         </a:xfrm>
         <a:prstGeom prst="roundRect">
           <a:avLst/>
         </a:prstGeom>
         <a:solidFill>
-          <a:schemeClr val="accent5">
+          <a:schemeClr val="accent1">
             <a:hueOff val="0"/>
             <a:satOff val="0"/>
             <a:lumOff val="0"/>
@@ -3656,19 +2852,729 @@
           </a:pPr>
           <a:r>
             <a:rPr lang="en-US" sz="1600" b="1" kern="1200" dirty="0"/>
+            <a:t>Q3 (5 Pts): Role Reversal</a:t>
+          </a:r>
+        </a:p>
+        <a:p>
+          <a:pPr marL="0" lvl="0" indent="0" algn="l" defTabSz="711200">
+            <a:lnSpc>
+              <a:spcPct val="90000"/>
+            </a:lnSpc>
+            <a:spcBef>
+              <a:spcPct val="0"/>
+            </a:spcBef>
+            <a:spcAft>
+              <a:spcPct val="35000"/>
+            </a:spcAft>
+            <a:buNone/>
+          </a:pPr>
+          <a:r>
+            <a:rPr lang="en-US" sz="1200" kern="1200" dirty="0"/>
+            <a:t>Can you crack this ciphertext:</a:t>
+          </a:r>
+        </a:p>
+        <a:p>
+          <a:pPr marL="0" lvl="0" indent="0" algn="l" defTabSz="711200">
+            <a:lnSpc>
+              <a:spcPct val="90000"/>
+            </a:lnSpc>
+            <a:spcBef>
+              <a:spcPct val="0"/>
+            </a:spcBef>
+            <a:spcAft>
+              <a:spcPct val="35000"/>
+            </a:spcAft>
+            <a:buNone/>
+          </a:pPr>
+          <a:r>
+            <a:rPr lang="en-US" sz="1200" b="0" i="0" kern="1200" dirty="0" err="1"/>
+            <a:t>Dszg</a:t>
+          </a:r>
+          <a:r>
+            <a:rPr lang="en-US" sz="1200" b="0" i="0" kern="1200" dirty="0"/>
+            <a:t> </a:t>
+          </a:r>
+          <a:r>
+            <a:rPr lang="en-US" sz="1200" b="0" i="0" kern="1200" dirty="0" err="1"/>
+            <a:t>dlfow</a:t>
+          </a:r>
+          <a:r>
+            <a:rPr lang="en-US" sz="1200" b="0" i="0" kern="1200" dirty="0"/>
+            <a:t> </a:t>
+          </a:r>
+          <a:r>
+            <a:rPr lang="en-US" sz="1200" b="0" i="0" kern="1200" dirty="0" err="1"/>
+            <a:t>szkkvm</a:t>
+          </a:r>
+          <a:r>
+            <a:rPr lang="en-US" sz="1200" b="0" i="0" kern="1200" dirty="0"/>
+            <a:t> </a:t>
+          </a:r>
+          <a:r>
+            <a:rPr lang="en-US" sz="1200" b="0" i="0" kern="1200" dirty="0" err="1"/>
+            <a:t>ru</a:t>
+          </a:r>
+          <a:r>
+            <a:rPr lang="en-US" sz="1200" b="0" i="0" kern="1200" dirty="0"/>
+            <a:t> </a:t>
+          </a:r>
+          <a:r>
+            <a:rPr lang="en-US" sz="1200" b="0" i="0" kern="1200" dirty="0" err="1"/>
+            <a:t>Hsviolxp</a:t>
+          </a:r>
+          <a:r>
+            <a:rPr lang="en-US" sz="1200" b="0" i="0" kern="1200" dirty="0"/>
+            <a:t> </a:t>
+          </a:r>
+          <a:r>
+            <a:rPr lang="en-US" sz="1200" b="0" i="0" kern="1200" dirty="0" err="1"/>
+            <a:t>zmw</a:t>
+          </a:r>
+          <a:r>
+            <a:rPr lang="en-US" sz="1200" b="0" i="0" kern="1200" dirty="0"/>
+            <a:t> </a:t>
+          </a:r>
+          <a:r>
+            <a:rPr lang="en-US" sz="1200" b="0" i="0" kern="1200" dirty="0" err="1"/>
+            <a:t>Dzghlm</a:t>
+          </a:r>
+          <a:r>
+            <a:rPr lang="en-US" sz="1200" b="0" i="0" kern="1200" dirty="0"/>
+            <a:t> </a:t>
+          </a:r>
+          <a:r>
+            <a:rPr lang="en-US" sz="1200" b="0" i="0" kern="1200" dirty="0" err="1"/>
+            <a:t>hdrgxsvw</a:t>
+          </a:r>
+          <a:r>
+            <a:rPr lang="en-US" sz="1200" b="0" i="0" kern="1200" dirty="0"/>
+            <a:t> </a:t>
+          </a:r>
+          <a:r>
+            <a:rPr lang="en-US" sz="1200" b="0" i="0" kern="1200" dirty="0" err="1"/>
+            <a:t>kozxvh</a:t>
+          </a:r>
+          <a:r>
+            <a:rPr lang="en-US" sz="1200" b="0" i="0" kern="1200" dirty="0"/>
+            <a:t>? </a:t>
+          </a:r>
+          <a:r>
+            <a:rPr lang="en-US" sz="1200" b="0" i="0" kern="1200" dirty="0" err="1"/>
+            <a:t>Gsvm</a:t>
+          </a:r>
+          <a:r>
+            <a:rPr lang="en-US" sz="1200" b="0" i="0" kern="1200" dirty="0"/>
+            <a:t> </a:t>
+          </a:r>
+          <a:r>
+            <a:rPr lang="en-US" sz="1200" b="0" i="0" kern="1200" dirty="0" err="1"/>
+            <a:t>Dzghlm</a:t>
+          </a:r>
+          <a:r>
+            <a:rPr lang="en-US" sz="1200" b="0" i="0" kern="1200" dirty="0"/>
+            <a:t> </a:t>
+          </a:r>
+          <a:r>
+            <a:rPr lang="en-US" sz="1200" b="0" i="0" kern="1200" dirty="0" err="1"/>
+            <a:t>dlfow</a:t>
+          </a:r>
+          <a:r>
+            <a:rPr lang="en-US" sz="1200" b="0" i="0" kern="1200" dirty="0"/>
+            <a:t> </a:t>
+          </a:r>
+          <a:r>
+            <a:rPr lang="en-US" sz="1200" b="0" i="0" kern="1200" dirty="0" err="1"/>
+            <a:t>hzb</a:t>
+          </a:r>
+          <a:r>
+            <a:rPr lang="en-US" sz="1200" b="0" i="0" kern="1200" dirty="0"/>
+            <a:t>, "</a:t>
+          </a:r>
+          <a:r>
+            <a:rPr lang="en-US" sz="1200" b="0" i="0" kern="1200" dirty="0" err="1"/>
+            <a:t>Vovnvmgzib</a:t>
+          </a:r>
+          <a:r>
+            <a:rPr lang="en-US" sz="1200" b="0" i="0" kern="1200" dirty="0"/>
+            <a:t>, </a:t>
+          </a:r>
+          <a:r>
+            <a:rPr lang="en-US" sz="1200" b="0" i="0" kern="1200" dirty="0" err="1"/>
+            <a:t>nb</a:t>
+          </a:r>
+          <a:r>
+            <a:rPr lang="en-US" sz="1200" b="0" i="0" kern="1200" dirty="0"/>
+            <a:t> </a:t>
+          </a:r>
+          <a:r>
+            <a:rPr lang="en-US" sz="1200" b="0" i="0" kern="1200" dirty="0" err="1"/>
+            <a:t>wvzi</a:t>
+          </a:r>
+          <a:r>
+            <a:rPr lang="en-US" sz="1200" b="0" i="0" kern="1200" dirty="0"/>
+            <a:t> </a:t>
+          </a:r>
+          <a:r>
+            <a:rPr lang="en-US" sz="1200" b="0" i="0" kern="1200" dirty="0" err="1"/>
+            <a:t>Hsviolxp</a:t>
+          </a:r>
+          <a:r>
+            <a:rPr lang="en-US" sz="1200" b="0" i="0" kern="1200" dirty="0"/>
+            <a:t>." </a:t>
+          </a:r>
+          <a:r>
+            <a:rPr lang="en-US" sz="1200" b="0" i="0" kern="1200" dirty="0" err="1"/>
+            <a:t>Zmw</a:t>
+          </a:r>
+          <a:r>
+            <a:rPr lang="en-US" sz="1200" b="0" i="0" kern="1200" dirty="0"/>
+            <a:t> </a:t>
+          </a:r>
+          <a:r>
+            <a:rPr lang="en-US" sz="1200" b="0" i="0" kern="1200" dirty="0" err="1"/>
+            <a:t>gszg</a:t>
+          </a:r>
+          <a:r>
+            <a:rPr lang="en-US" sz="1200" b="0" i="0" kern="1200" dirty="0"/>
+            <a:t> </a:t>
+          </a:r>
+          <a:r>
+            <a:rPr lang="en-US" sz="1200" b="0" i="0" kern="1200" dirty="0" err="1"/>
+            <a:t>dlfow</a:t>
+          </a:r>
+          <a:r>
+            <a:rPr lang="en-US" sz="1200" b="0" i="0" kern="1200" dirty="0"/>
+            <a:t> </a:t>
+          </a:r>
+          <a:r>
+            <a:rPr lang="en-US" sz="1200" b="0" i="0" kern="1200" dirty="0" err="1"/>
+            <a:t>qfhg</a:t>
+          </a:r>
+          <a:r>
+            <a:rPr lang="en-US" sz="1200" b="0" i="0" kern="1200" dirty="0"/>
+            <a:t> </a:t>
+          </a:r>
+          <a:r>
+            <a:rPr lang="en-US" sz="1200" b="0" i="0" kern="1200" dirty="0" err="1"/>
+            <a:t>hlfmw</a:t>
+          </a:r>
+          <a:r>
+            <a:rPr lang="en-US" sz="1200" b="0" i="0" kern="1200" dirty="0"/>
+            <a:t> </a:t>
+          </a:r>
+          <a:r>
+            <a:rPr lang="en-US" sz="1200" b="0" i="0" kern="1200" dirty="0" err="1"/>
+            <a:t>dvriw</a:t>
+          </a:r>
+          <a:r>
+            <a:rPr lang="en-US" sz="1200" b="0" i="0" kern="1200" dirty="0"/>
+            <a:t>.</a:t>
+          </a:r>
+          <a:endParaRPr lang="en-US" sz="1200" kern="1200" dirty="0"/>
+        </a:p>
+      </dsp:txBody>
+      <dsp:txXfrm>
+        <a:off x="59491" y="2525113"/>
+        <a:ext cx="5767309" cy="1099706"/>
+      </dsp:txXfrm>
+    </dsp:sp>
+    <dsp:sp modelId="{70F272A9-0495-4653-A302-D30B0CCFE80A}">
+      <dsp:nvSpPr>
+        <dsp:cNvPr id="0" name=""/>
+        <dsp:cNvSpPr/>
+      </dsp:nvSpPr>
+      <dsp:spPr>
+        <a:xfrm>
+          <a:off x="0" y="3698345"/>
+          <a:ext cx="5886291" cy="1218688"/>
+        </a:xfrm>
+        <a:prstGeom prst="roundRect">
+          <a:avLst/>
+        </a:prstGeom>
+        <a:solidFill>
+          <a:schemeClr val="accent1">
+            <a:hueOff val="0"/>
+            <a:satOff val="0"/>
+            <a:lumOff val="0"/>
+            <a:alphaOff val="0"/>
+          </a:schemeClr>
+        </a:solidFill>
+        <a:ln w="19050" cap="rnd" cmpd="sng" algn="ctr">
+          <a:solidFill>
+            <a:schemeClr val="lt1">
+              <a:hueOff val="0"/>
+              <a:satOff val="0"/>
+              <a:lumOff val="0"/>
+              <a:alphaOff val="0"/>
+            </a:schemeClr>
+          </a:solidFill>
+          <a:prstDash val="solid"/>
+        </a:ln>
+        <a:effectLst/>
+      </dsp:spPr>
+      <dsp:style>
+        <a:lnRef idx="2">
+          <a:scrgbClr r="0" g="0" b="0"/>
+        </a:lnRef>
+        <a:fillRef idx="1">
+          <a:scrgbClr r="0" g="0" b="0"/>
+        </a:fillRef>
+        <a:effectRef idx="0">
+          <a:scrgbClr r="0" g="0" b="0"/>
+        </a:effectRef>
+        <a:fontRef idx="minor">
+          <a:schemeClr val="lt1"/>
+        </a:fontRef>
+      </dsp:style>
+      <dsp:txBody>
+        <a:bodyPr spcFirstLastPara="0" vert="horz" wrap="square" lIns="60960" tIns="60960" rIns="60960" bIns="60960" numCol="1" spcCol="1270" anchor="ctr" anchorCtr="0">
+          <a:noAutofit/>
+        </a:bodyPr>
+        <a:lstStyle/>
+        <a:p>
+          <a:pPr marL="0" lvl="0" indent="0" algn="l" defTabSz="711200">
+            <a:lnSpc>
+              <a:spcPct val="90000"/>
+            </a:lnSpc>
+            <a:spcBef>
+              <a:spcPct val="0"/>
+            </a:spcBef>
+            <a:spcAft>
+              <a:spcPct val="35000"/>
+            </a:spcAft>
+            <a:buNone/>
+          </a:pPr>
+          <a:r>
+            <a:rPr lang="en-US" sz="1600" b="1" kern="1200" dirty="0"/>
+            <a:t>Q4 (5 Pts): Breakfast Food</a:t>
+          </a:r>
+        </a:p>
+        <a:p>
+          <a:pPr marL="0" lvl="0" indent="0" algn="l" defTabSz="711200">
+            <a:lnSpc>
+              <a:spcPct val="90000"/>
+            </a:lnSpc>
+            <a:spcBef>
+              <a:spcPct val="0"/>
+            </a:spcBef>
+            <a:spcAft>
+              <a:spcPct val="35000"/>
+            </a:spcAft>
+            <a:buNone/>
+          </a:pPr>
+          <a:r>
+            <a:rPr lang="en-US" sz="1200" b="0" i="0" kern="1200" dirty="0"/>
+            <a:t>Can you crack this ciphertext:</a:t>
+          </a:r>
+        </a:p>
+        <a:p>
+          <a:pPr marL="0" lvl="0" indent="0" algn="l" defTabSz="711200">
+            <a:lnSpc>
+              <a:spcPct val="90000"/>
+            </a:lnSpc>
+            <a:spcBef>
+              <a:spcPct val="0"/>
+            </a:spcBef>
+            <a:spcAft>
+              <a:spcPct val="35000"/>
+            </a:spcAft>
+            <a:buNone/>
+          </a:pPr>
+          <a:r>
+            <a:rPr lang="en-US" sz="1200" b="0" i="0" kern="1200" dirty="0"/>
+            <a:t>BAABBAABBBABAAABAABA BAABAAABBBABBBABABAAABABBAAABB AAAABAABAA AAAAABAABA AABAAAAAAABAABABBAAA AAAAABAABA AABAAAAAAABAABBABAAAABBABAABBA AAAABAAAAAAAABAABBBAABBAB</a:t>
+          </a:r>
+          <a:endParaRPr lang="en-US" sz="1200" kern="1200" dirty="0"/>
+        </a:p>
+      </dsp:txBody>
+      <dsp:txXfrm>
+        <a:off x="59491" y="3757836"/>
+        <a:ext cx="5767309" cy="1099706"/>
+      </dsp:txXfrm>
+    </dsp:sp>
+  </dsp:spTree>
+</dsp:drawing>
+</file>
+
+<file path=ppt/diagrams/drawing2.xml><?xml version="1.0" encoding="utf-8"?>
+<dsp:drawing xmlns:dgm="http://schemas.openxmlformats.org/drawingml/2006/diagram" xmlns:dsp="http://schemas.microsoft.com/office/drawing/2008/diagram" xmlns:a="http://schemas.openxmlformats.org/drawingml/2006/main">
+  <dsp:spTree>
+    <dsp:nvGrpSpPr>
+      <dsp:cNvPr id="0" name=""/>
+      <dsp:cNvGrpSpPr/>
+    </dsp:nvGrpSpPr>
+    <dsp:grpSpPr/>
+    <dsp:sp modelId="{61E4768C-AB46-487F-9338-13BBC6B8797F}">
+      <dsp:nvSpPr>
+        <dsp:cNvPr id="0" name=""/>
+        <dsp:cNvSpPr/>
+      </dsp:nvSpPr>
+      <dsp:spPr>
+        <a:xfrm>
+          <a:off x="0" y="11190"/>
+          <a:ext cx="5886291" cy="1197787"/>
+        </a:xfrm>
+        <a:prstGeom prst="roundRect">
+          <a:avLst/>
+        </a:prstGeom>
+        <a:solidFill>
+          <a:schemeClr val="accent2">
+            <a:hueOff val="0"/>
+            <a:satOff val="0"/>
+            <a:lumOff val="0"/>
+            <a:alphaOff val="0"/>
+          </a:schemeClr>
+        </a:solidFill>
+        <a:ln w="19050" cap="rnd" cmpd="sng" algn="ctr">
+          <a:solidFill>
+            <a:schemeClr val="lt1">
+              <a:hueOff val="0"/>
+              <a:satOff val="0"/>
+              <a:lumOff val="0"/>
+              <a:alphaOff val="0"/>
+            </a:schemeClr>
+          </a:solidFill>
+          <a:prstDash val="solid"/>
+        </a:ln>
+        <a:effectLst/>
+      </dsp:spPr>
+      <dsp:style>
+        <a:lnRef idx="2">
+          <a:scrgbClr r="0" g="0" b="0"/>
+        </a:lnRef>
+        <a:fillRef idx="1">
+          <a:scrgbClr r="0" g="0" b="0"/>
+        </a:fillRef>
+        <a:effectRef idx="0">
+          <a:scrgbClr r="0" g="0" b="0"/>
+        </a:effectRef>
+        <a:fontRef idx="minor">
+          <a:schemeClr val="lt1"/>
+        </a:fontRef>
+      </dsp:style>
+      <dsp:txBody>
+        <a:bodyPr spcFirstLastPara="0" vert="horz" wrap="square" lIns="68580" tIns="68580" rIns="68580" bIns="68580" numCol="1" spcCol="1270" anchor="ctr" anchorCtr="0">
+          <a:noAutofit/>
+        </a:bodyPr>
+        <a:lstStyle/>
+        <a:p>
+          <a:pPr marL="0" lvl="0" indent="0" algn="l" defTabSz="800100">
+            <a:lnSpc>
+              <a:spcPct val="90000"/>
+            </a:lnSpc>
+            <a:spcBef>
+              <a:spcPct val="0"/>
+            </a:spcBef>
+            <a:spcAft>
+              <a:spcPct val="35000"/>
+            </a:spcAft>
+            <a:buNone/>
+          </a:pPr>
+          <a:r>
+            <a:rPr lang="en-US" sz="1800" b="1" kern="1200" dirty="0"/>
+            <a:t>Q1 (5 Pts): Bill To High</a:t>
+          </a:r>
+        </a:p>
+        <a:p>
+          <a:pPr marL="0" lvl="0" indent="0" algn="l" defTabSz="800100">
+            <a:lnSpc>
+              <a:spcPct val="90000"/>
+            </a:lnSpc>
+            <a:spcBef>
+              <a:spcPct val="0"/>
+            </a:spcBef>
+            <a:spcAft>
+              <a:spcPct val="35000"/>
+            </a:spcAft>
+            <a:buNone/>
+          </a:pPr>
+          <a:r>
+            <a:rPr lang="en-US" sz="1400" kern="1200" dirty="0"/>
+            <a:t>What is the attack called when an attacker has encrypted all of the victim's information and is willing to decrypt it for a price?</a:t>
+          </a:r>
+        </a:p>
+      </dsp:txBody>
+      <dsp:txXfrm>
+        <a:off x="58471" y="69661"/>
+        <a:ext cx="5769349" cy="1080845"/>
+      </dsp:txXfrm>
+    </dsp:sp>
+    <dsp:sp modelId="{F6AA2544-7C8C-42A1-9CCB-48AA059C4A71}">
+      <dsp:nvSpPr>
+        <dsp:cNvPr id="0" name=""/>
+        <dsp:cNvSpPr/>
+      </dsp:nvSpPr>
+      <dsp:spPr>
+        <a:xfrm>
+          <a:off x="0" y="1243538"/>
+          <a:ext cx="5886291" cy="1197787"/>
+        </a:xfrm>
+        <a:prstGeom prst="roundRect">
+          <a:avLst/>
+        </a:prstGeom>
+        <a:solidFill>
+          <a:schemeClr val="accent3">
+            <a:hueOff val="0"/>
+            <a:satOff val="0"/>
+            <a:lumOff val="0"/>
+            <a:alphaOff val="0"/>
+          </a:schemeClr>
+        </a:solidFill>
+        <a:ln w="19050" cap="rnd" cmpd="sng" algn="ctr">
+          <a:solidFill>
+            <a:schemeClr val="lt1">
+              <a:hueOff val="0"/>
+              <a:satOff val="0"/>
+              <a:lumOff val="0"/>
+              <a:alphaOff val="0"/>
+            </a:schemeClr>
+          </a:solidFill>
+          <a:prstDash val="solid"/>
+        </a:ln>
+        <a:effectLst/>
+      </dsp:spPr>
+      <dsp:style>
+        <a:lnRef idx="2">
+          <a:scrgbClr r="0" g="0" b="0"/>
+        </a:lnRef>
+        <a:fillRef idx="1">
+          <a:scrgbClr r="0" g="0" b="0"/>
+        </a:fillRef>
+        <a:effectRef idx="0">
+          <a:scrgbClr r="0" g="0" b="0"/>
+        </a:effectRef>
+        <a:fontRef idx="minor">
+          <a:schemeClr val="lt1"/>
+        </a:fontRef>
+      </dsp:style>
+      <dsp:txBody>
+        <a:bodyPr spcFirstLastPara="0" vert="horz" wrap="square" lIns="68580" tIns="68580" rIns="68580" bIns="68580" numCol="1" spcCol="1270" anchor="ctr" anchorCtr="0">
+          <a:noAutofit/>
+        </a:bodyPr>
+        <a:lstStyle/>
+        <a:p>
+          <a:pPr marL="0" lvl="0" indent="0" algn="l" defTabSz="800100">
+            <a:lnSpc>
+              <a:spcPct val="90000"/>
+            </a:lnSpc>
+            <a:spcBef>
+              <a:spcPct val="0"/>
+            </a:spcBef>
+            <a:spcAft>
+              <a:spcPct val="35000"/>
+            </a:spcAft>
+            <a:buNone/>
+          </a:pPr>
+          <a:r>
+            <a:rPr lang="en-US" sz="1800" b="1" i="0" kern="1200" dirty="0"/>
+            <a:t>Q2 (5 Pts): Catch Sherlock Roasting Fools </a:t>
+          </a:r>
+        </a:p>
+        <a:p>
+          <a:pPr marL="0" lvl="0" indent="0" algn="l" defTabSz="800100">
+            <a:lnSpc>
+              <a:spcPct val="90000"/>
+            </a:lnSpc>
+            <a:spcBef>
+              <a:spcPct val="0"/>
+            </a:spcBef>
+            <a:spcAft>
+              <a:spcPct val="35000"/>
+            </a:spcAft>
+            <a:buNone/>
+          </a:pPr>
+          <a:r>
+            <a:rPr lang="en-US" sz="1400" kern="1200" dirty="0"/>
+            <a:t>W</a:t>
+          </a:r>
+          <a:r>
+            <a:rPr lang="en-US" sz="1400" b="0" i="0" kern="1200" dirty="0"/>
+            <a:t>hat does CSRF stand for?</a:t>
+          </a:r>
+          <a:endParaRPr lang="en-US" sz="1400" kern="1200" dirty="0"/>
+        </a:p>
+      </dsp:txBody>
+      <dsp:txXfrm>
+        <a:off x="58471" y="1302009"/>
+        <a:ext cx="5769349" cy="1080845"/>
+      </dsp:txXfrm>
+    </dsp:sp>
+    <dsp:sp modelId="{73217B24-AD38-4749-BD6F-0C3F19179EEE}">
+      <dsp:nvSpPr>
+        <dsp:cNvPr id="0" name=""/>
+        <dsp:cNvSpPr/>
+      </dsp:nvSpPr>
+      <dsp:spPr>
+        <a:xfrm>
+          <a:off x="0" y="2475885"/>
+          <a:ext cx="5886291" cy="1197787"/>
+        </a:xfrm>
+        <a:prstGeom prst="roundRect">
+          <a:avLst/>
+        </a:prstGeom>
+        <a:solidFill>
+          <a:schemeClr val="accent4">
+            <a:hueOff val="0"/>
+            <a:satOff val="0"/>
+            <a:lumOff val="0"/>
+            <a:alphaOff val="0"/>
+          </a:schemeClr>
+        </a:solidFill>
+        <a:ln w="19050" cap="rnd" cmpd="sng" algn="ctr">
+          <a:solidFill>
+            <a:schemeClr val="lt1">
+              <a:hueOff val="0"/>
+              <a:satOff val="0"/>
+              <a:lumOff val="0"/>
+              <a:alphaOff val="0"/>
+            </a:schemeClr>
+          </a:solidFill>
+          <a:prstDash val="solid"/>
+        </a:ln>
+        <a:effectLst/>
+      </dsp:spPr>
+      <dsp:style>
+        <a:lnRef idx="2">
+          <a:scrgbClr r="0" g="0" b="0"/>
+        </a:lnRef>
+        <a:fillRef idx="1">
+          <a:scrgbClr r="0" g="0" b="0"/>
+        </a:fillRef>
+        <a:effectRef idx="0">
+          <a:scrgbClr r="0" g="0" b="0"/>
+        </a:effectRef>
+        <a:fontRef idx="minor">
+          <a:schemeClr val="lt1"/>
+        </a:fontRef>
+      </dsp:style>
+      <dsp:txBody>
+        <a:bodyPr spcFirstLastPara="0" vert="horz" wrap="square" lIns="68580" tIns="68580" rIns="68580" bIns="68580" numCol="1" spcCol="1270" anchor="ctr" anchorCtr="0">
+          <a:noAutofit/>
+        </a:bodyPr>
+        <a:lstStyle/>
+        <a:p>
+          <a:pPr marL="0" lvl="0" indent="0" algn="l" defTabSz="800100">
+            <a:lnSpc>
+              <a:spcPct val="90000"/>
+            </a:lnSpc>
+            <a:spcBef>
+              <a:spcPct val="0"/>
+            </a:spcBef>
+            <a:spcAft>
+              <a:spcPct val="35000"/>
+            </a:spcAft>
+            <a:buNone/>
+          </a:pPr>
+          <a:r>
+            <a:rPr lang="en-US" sz="1800" b="1" kern="1200" dirty="0"/>
+            <a:t>Q3 (5 Pts): Stephen</a:t>
+          </a:r>
+        </a:p>
+        <a:p>
+          <a:pPr marL="0" lvl="0" indent="0" algn="l" defTabSz="800100">
+            <a:lnSpc>
+              <a:spcPct val="90000"/>
+            </a:lnSpc>
+            <a:spcBef>
+              <a:spcPct val="0"/>
+            </a:spcBef>
+            <a:spcAft>
+              <a:spcPct val="35000"/>
+            </a:spcAft>
+            <a:buNone/>
+          </a:pPr>
+          <a:r>
+            <a:rPr lang="en-US" sz="1400" kern="1200" dirty="0"/>
+            <a:t>What is called when you send emails that look like they're from real websites, but in reality it's fake and you're gathering information about others, such as passwords or credit card numbers?</a:t>
+          </a:r>
+        </a:p>
+      </dsp:txBody>
+      <dsp:txXfrm>
+        <a:off x="58471" y="2534356"/>
+        <a:ext cx="5769349" cy="1080845"/>
+      </dsp:txXfrm>
+    </dsp:sp>
+    <dsp:sp modelId="{AFCFEAA5-86DD-4748-9A7C-D115A2916C9D}">
+      <dsp:nvSpPr>
+        <dsp:cNvPr id="0" name=""/>
+        <dsp:cNvSpPr/>
+      </dsp:nvSpPr>
+      <dsp:spPr>
+        <a:xfrm>
+          <a:off x="0" y="3708233"/>
+          <a:ext cx="5886291" cy="1197787"/>
+        </a:xfrm>
+        <a:prstGeom prst="roundRect">
+          <a:avLst/>
+        </a:prstGeom>
+        <a:solidFill>
+          <a:schemeClr val="accent5">
+            <a:hueOff val="0"/>
+            <a:satOff val="0"/>
+            <a:lumOff val="0"/>
+            <a:alphaOff val="0"/>
+          </a:schemeClr>
+        </a:solidFill>
+        <a:ln w="19050" cap="rnd" cmpd="sng" algn="ctr">
+          <a:solidFill>
+            <a:schemeClr val="lt1">
+              <a:hueOff val="0"/>
+              <a:satOff val="0"/>
+              <a:lumOff val="0"/>
+              <a:alphaOff val="0"/>
+            </a:schemeClr>
+          </a:solidFill>
+          <a:prstDash val="solid"/>
+        </a:ln>
+        <a:effectLst/>
+      </dsp:spPr>
+      <dsp:style>
+        <a:lnRef idx="2">
+          <a:scrgbClr r="0" g="0" b="0"/>
+        </a:lnRef>
+        <a:fillRef idx="1">
+          <a:scrgbClr r="0" g="0" b="0"/>
+        </a:fillRef>
+        <a:effectRef idx="0">
+          <a:scrgbClr r="0" g="0" b="0"/>
+        </a:effectRef>
+        <a:fontRef idx="minor">
+          <a:schemeClr val="lt1"/>
+        </a:fontRef>
+      </dsp:style>
+      <dsp:txBody>
+        <a:bodyPr spcFirstLastPara="0" vert="horz" wrap="square" lIns="68580" tIns="68580" rIns="68580" bIns="68580" numCol="1" spcCol="1270" anchor="ctr" anchorCtr="0">
+          <a:noAutofit/>
+        </a:bodyPr>
+        <a:lstStyle/>
+        <a:p>
+          <a:pPr marL="0" lvl="0" indent="0" algn="l" defTabSz="800100">
+            <a:lnSpc>
+              <a:spcPct val="90000"/>
+            </a:lnSpc>
+            <a:spcBef>
+              <a:spcPct val="0"/>
+            </a:spcBef>
+            <a:spcAft>
+              <a:spcPct val="35000"/>
+            </a:spcAft>
+            <a:buNone/>
+          </a:pPr>
+          <a:r>
+            <a:rPr lang="en-US" sz="1800" b="1" kern="1200" dirty="0"/>
             <a:t>Q4 (5 Pts): Try </a:t>
           </a:r>
           <a:r>
-            <a:rPr lang="en-US" sz="1600" b="1" kern="1200" dirty="0" err="1"/>
+            <a:rPr lang="en-US" sz="1800" b="1" kern="1200" dirty="0" err="1"/>
             <a:t>Try</a:t>
           </a:r>
           <a:r>
-            <a:rPr lang="en-US" sz="1600" b="1" kern="1200" dirty="0"/>
+            <a:rPr lang="en-US" sz="1800" b="1" kern="1200" dirty="0"/>
             <a:t> Again </a:t>
           </a:r>
         </a:p>
         <a:p>
-          <a:pPr marL="0" lvl="0" indent="0" algn="l" defTabSz="711200">
+          <a:pPr marL="0" lvl="0" indent="0" algn="l" defTabSz="800100">
             <a:lnSpc>
               <a:spcPct val="90000"/>
             </a:lnSpc>
@@ -3688,8 +3594,8 @@
         </a:p>
       </dsp:txBody>
       <dsp:txXfrm>
-        <a:off x="55130" y="3833158"/>
-        <a:ext cx="5776031" cy="1019082"/>
+        <a:off x="58471" y="3766704"/>
+        <a:ext cx="5769349" cy="1080845"/>
       </dsp:txXfrm>
     </dsp:sp>
   </dsp:spTree>
@@ -4031,11 +3937,11 @@
 </file>
 
 <file path=ppt/diagrams/quickStyle1.xml><?xml version="1.0" encoding="utf-8"?>
-<dgm:styleDef xmlns:dgm="http://schemas.openxmlformats.org/drawingml/2006/diagram" xmlns:a="http://schemas.openxmlformats.org/drawingml/2006/main" uniqueId="urn:microsoft.com/office/officeart/2005/8/quickstyle/simple4">
+<dgm:styleDef xmlns:dgm="http://schemas.openxmlformats.org/drawingml/2006/diagram" xmlns:a="http://schemas.openxmlformats.org/drawingml/2006/main" uniqueId="urn:microsoft.com/office/officeart/2005/8/quickstyle/simple1">
   <dgm:title val=""/>
   <dgm:desc val=""/>
   <dgm:catLst>
-    <dgm:cat type="simple" pri="10400"/>
+    <dgm:cat type="simple" pri="10100"/>
   </dgm:catLst>
   <dgm:scene3d>
     <a:camera prst="orthographicFront"/>
@@ -4049,13 +3955,13 @@
     <dgm:sp3d/>
     <dgm:txPr/>
     <dgm:style>
-      <a:lnRef idx="0">
+      <a:lnRef idx="2">
         <a:scrgbClr r="0" g="0" b="0"/>
       </a:lnRef>
-      <a:fillRef idx="3">
+      <a:fillRef idx="1">
         <a:scrgbClr r="0" g="0" b="0"/>
       </a:fillRef>
-      <a:effectRef idx="2">
+      <a:effectRef idx="0">
         <a:scrgbClr r="0" g="0" b="0"/>
       </a:effectRef>
       <a:fontRef idx="minor">
@@ -4071,13 +3977,13 @@
     <dgm:sp3d/>
     <dgm:txPr/>
     <dgm:style>
-      <a:lnRef idx="1">
+      <a:lnRef idx="2">
         <a:scrgbClr r="0" g="0" b="0"/>
       </a:lnRef>
-      <a:fillRef idx="3">
+      <a:fillRef idx="1">
         <a:scrgbClr r="0" g="0" b="0"/>
       </a:fillRef>
-      <a:effectRef idx="2">
+      <a:effectRef idx="0">
         <a:scrgbClr r="0" g="0" b="0"/>
       </a:effectRef>
       <a:fontRef idx="minor">
@@ -4093,10 +3999,10 @@
     <dgm:sp3d/>
     <dgm:txPr/>
     <dgm:style>
-      <a:lnRef idx="0">
+      <a:lnRef idx="2">
         <a:scrgbClr r="0" g="0" b="0"/>
       </a:lnRef>
-      <a:fillRef idx="3">
+      <a:fillRef idx="1">
         <a:scrgbClr r="0" g="0" b="0"/>
       </a:fillRef>
       <a:effectRef idx="0">
@@ -4115,13 +4021,13 @@
     <dgm:sp3d/>
     <dgm:txPr/>
     <dgm:style>
-      <a:lnRef idx="1">
+      <a:lnRef idx="2">
         <a:scrgbClr r="0" g="0" b="0"/>
       </a:lnRef>
-      <a:fillRef idx="3">
+      <a:fillRef idx="1">
         <a:scrgbClr r="0" g="0" b="0"/>
       </a:fillRef>
-      <a:effectRef idx="2">
+      <a:effectRef idx="0">
         <a:scrgbClr r="0" g="0" b="0"/>
       </a:effectRef>
       <a:fontRef idx="minor">
@@ -4137,13 +4043,13 @@
     <dgm:sp3d/>
     <dgm:txPr/>
     <dgm:style>
-      <a:lnRef idx="0">
+      <a:lnRef idx="2">
         <a:scrgbClr r="0" g="0" b="0"/>
       </a:lnRef>
-      <a:fillRef idx="3">
+      <a:fillRef idx="1">
         <a:scrgbClr r="0" g="0" b="0"/>
       </a:fillRef>
-      <a:effectRef idx="2">
+      <a:effectRef idx="0">
         <a:scrgbClr r="0" g="0" b="0"/>
       </a:effectRef>
       <a:fontRef idx="minor">
@@ -4159,13 +4065,13 @@
     <dgm:sp3d/>
     <dgm:txPr/>
     <dgm:style>
-      <a:lnRef idx="0">
+      <a:lnRef idx="2">
         <a:scrgbClr r="0" g="0" b="0"/>
       </a:lnRef>
-      <a:fillRef idx="3">
+      <a:fillRef idx="1">
         <a:scrgbClr r="0" g="0" b="0"/>
       </a:fillRef>
-      <a:effectRef idx="2">
+      <a:effectRef idx="0">
         <a:scrgbClr r="0" g="0" b="0"/>
       </a:effectRef>
       <a:fontRef idx="minor">
@@ -4181,13 +4087,13 @@
     <dgm:sp3d/>
     <dgm:txPr/>
     <dgm:style>
-      <a:lnRef idx="0">
+      <a:lnRef idx="2">
         <a:scrgbClr r="0" g="0" b="0"/>
       </a:lnRef>
-      <a:fillRef idx="3">
+      <a:fillRef idx="1">
         <a:scrgbClr r="0" g="0" b="0"/>
       </a:fillRef>
-      <a:effectRef idx="2">
+      <a:effectRef idx="0">
         <a:scrgbClr r="0" g="0" b="0"/>
       </a:effectRef>
       <a:fontRef idx="minor">
@@ -4203,13 +4109,13 @@
     <dgm:sp3d/>
     <dgm:txPr/>
     <dgm:style>
-      <a:lnRef idx="0">
+      <a:lnRef idx="2">
         <a:scrgbClr r="0" g="0" b="0"/>
       </a:lnRef>
-      <a:fillRef idx="3">
+      <a:fillRef idx="1">
         <a:scrgbClr r="0" g="0" b="0"/>
       </a:fillRef>
-      <a:effectRef idx="2">
+      <a:effectRef idx="0">
         <a:scrgbClr r="0" g="0" b="0"/>
       </a:effectRef>
       <a:fontRef idx="minor">
@@ -4225,13 +4131,13 @@
     <dgm:sp3d/>
     <dgm:txPr/>
     <dgm:style>
-      <a:lnRef idx="0">
+      <a:lnRef idx="2">
         <a:scrgbClr r="0" g="0" b="0"/>
       </a:lnRef>
       <a:fillRef idx="1">
         <a:scrgbClr r="0" g="0" b="0"/>
       </a:fillRef>
-      <a:effectRef idx="2">
+      <a:effectRef idx="0">
         <a:scrgbClr r="0" g="0" b="0"/>
       </a:effectRef>
       <a:fontRef idx="minor"/>
@@ -4245,13 +4151,13 @@
     <dgm:sp3d/>
     <dgm:txPr/>
     <dgm:style>
-      <a:lnRef idx="0">
+      <a:lnRef idx="2">
         <a:scrgbClr r="0" g="0" b="0"/>
       </a:lnRef>
       <a:fillRef idx="1">
         <a:scrgbClr r="0" g="0" b="0"/>
       </a:fillRef>
-      <a:effectRef idx="2">
+      <a:effectRef idx="0">
         <a:scrgbClr r="0" g="0" b="0"/>
       </a:effectRef>
       <a:fontRef idx="minor"/>
@@ -4265,13 +4171,13 @@
     <dgm:sp3d/>
     <dgm:txPr/>
     <dgm:style>
-      <a:lnRef idx="0">
+      <a:lnRef idx="2">
         <a:scrgbClr r="0" g="0" b="0"/>
       </a:lnRef>
       <a:fillRef idx="1">
         <a:scrgbClr r="0" g="0" b="0"/>
       </a:fillRef>
-      <a:effectRef idx="2">
+      <a:effectRef idx="0">
         <a:scrgbClr r="0" g="0" b="0"/>
       </a:effectRef>
       <a:fontRef idx="minor"/>
@@ -4288,10 +4194,10 @@
       <a:lnRef idx="0">
         <a:scrgbClr r="0" g="0" b="0"/>
       </a:lnRef>
-      <a:fillRef idx="3">
+      <a:fillRef idx="1">
         <a:scrgbClr r="0" g="0" b="0"/>
       </a:fillRef>
-      <a:effectRef idx="2">
+      <a:effectRef idx="0">
         <a:scrgbClr r="0" g="0" b="0"/>
       </a:effectRef>
       <a:fontRef idx="minor">
@@ -4310,10 +4216,10 @@
       <a:lnRef idx="0">
         <a:scrgbClr r="0" g="0" b="0"/>
       </a:lnRef>
-      <a:fillRef idx="3">
+      <a:fillRef idx="1">
         <a:scrgbClr r="0" g="0" b="0"/>
       </a:fillRef>
-      <a:effectRef idx="2">
+      <a:effectRef idx="0">
         <a:scrgbClr r="0" g="0" b="0"/>
       </a:effectRef>
       <a:fontRef idx="minor">
@@ -4332,10 +4238,10 @@
       <a:lnRef idx="0">
         <a:scrgbClr r="0" g="0" b="0"/>
       </a:lnRef>
-      <a:fillRef idx="3">
+      <a:fillRef idx="1">
         <a:scrgbClr r="0" g="0" b="0"/>
       </a:fillRef>
-      <a:effectRef idx="2">
+      <a:effectRef idx="0">
         <a:scrgbClr r="0" g="0" b="0"/>
       </a:effectRef>
       <a:fontRef idx="minor">
@@ -4377,7 +4283,7 @@
       <a:fillRef idx="1">
         <a:scrgbClr r="0" g="0" b="0"/>
       </a:fillRef>
-      <a:effectRef idx="1">
+      <a:effectRef idx="0">
         <a:scrgbClr r="0" g="0" b="0"/>
       </a:effectRef>
       <a:fontRef idx="minor"/>
@@ -4391,13 +4297,13 @@
     <dgm:sp3d/>
     <dgm:txPr/>
     <dgm:style>
-      <a:lnRef idx="0">
+      <a:lnRef idx="2">
         <a:scrgbClr r="0" g="0" b="0"/>
       </a:lnRef>
-      <a:fillRef idx="3">
+      <a:fillRef idx="1">
         <a:scrgbClr r="0" g="0" b="0"/>
       </a:fillRef>
-      <a:effectRef idx="2">
+      <a:effectRef idx="0">
         <a:scrgbClr r="0" g="0" b="0"/>
       </a:effectRef>
       <a:fontRef idx="minor">
@@ -4413,13 +4319,13 @@
     <dgm:sp3d/>
     <dgm:txPr/>
     <dgm:style>
-      <a:lnRef idx="0">
+      <a:lnRef idx="2">
         <a:scrgbClr r="0" g="0" b="0"/>
       </a:lnRef>
-      <a:fillRef idx="3">
+      <a:fillRef idx="1">
         <a:scrgbClr r="0" g="0" b="0"/>
       </a:fillRef>
-      <a:effectRef idx="2">
+      <a:effectRef idx="0">
         <a:scrgbClr r="0" g="0" b="0"/>
       </a:effectRef>
       <a:fontRef idx="minor">
@@ -4435,13 +4341,13 @@
     <dgm:sp3d/>
     <dgm:txPr/>
     <dgm:style>
-      <a:lnRef idx="0">
+      <a:lnRef idx="2">
         <a:scrgbClr r="0" g="0" b="0"/>
       </a:lnRef>
-      <a:fillRef idx="3">
+      <a:fillRef idx="1">
         <a:scrgbClr r="0" g="0" b="0"/>
       </a:fillRef>
-      <a:effectRef idx="2">
+      <a:effectRef idx="0">
         <a:scrgbClr r="0" g="0" b="0"/>
       </a:effectRef>
       <a:fontRef idx="minor">
@@ -4457,13 +4363,13 @@
     <dgm:sp3d/>
     <dgm:txPr/>
     <dgm:style>
-      <a:lnRef idx="0">
+      <a:lnRef idx="2">
         <a:scrgbClr r="0" g="0" b="0"/>
       </a:lnRef>
-      <a:fillRef idx="3">
+      <a:fillRef idx="1">
         <a:scrgbClr r="0" g="0" b="0"/>
       </a:fillRef>
-      <a:effectRef idx="2">
+      <a:effectRef idx="0">
         <a:scrgbClr r="0" g="0" b="0"/>
       </a:effectRef>
       <a:fontRef idx="minor">
@@ -4479,13 +4385,13 @@
     <dgm:sp3d/>
     <dgm:txPr/>
     <dgm:style>
-      <a:lnRef idx="0">
+      <a:lnRef idx="2">
         <a:scrgbClr r="0" g="0" b="0"/>
       </a:lnRef>
-      <a:fillRef idx="3">
+      <a:fillRef idx="1">
         <a:scrgbClr r="0" g="0" b="0"/>
       </a:fillRef>
-      <a:effectRef idx="2">
+      <a:effectRef idx="0">
         <a:scrgbClr r="0" g="0" b="0"/>
       </a:effectRef>
       <a:fontRef idx="minor">
@@ -4501,13 +4407,13 @@
     <dgm:sp3d/>
     <dgm:txPr/>
     <dgm:style>
-      <a:lnRef idx="0">
+      <a:lnRef idx="2">
         <a:scrgbClr r="0" g="0" b="0"/>
       </a:lnRef>
-      <a:fillRef idx="3">
+      <a:fillRef idx="1">
         <a:scrgbClr r="0" g="0" b="0"/>
       </a:fillRef>
-      <a:effectRef idx="2">
+      <a:effectRef idx="0">
         <a:scrgbClr r="0" g="0" b="0"/>
       </a:effectRef>
       <a:fontRef idx="minor">
@@ -4523,13 +4429,13 @@
     <dgm:sp3d/>
     <dgm:txPr/>
     <dgm:style>
-      <a:lnRef idx="0">
+      <a:lnRef idx="2">
         <a:scrgbClr r="0" g="0" b="0"/>
       </a:lnRef>
-      <a:fillRef idx="3">
+      <a:fillRef idx="1">
         <a:scrgbClr r="0" g="0" b="0"/>
       </a:fillRef>
-      <a:effectRef idx="2">
+      <a:effectRef idx="0">
         <a:scrgbClr r="0" g="0" b="0"/>
       </a:effectRef>
       <a:fontRef idx="minor">
@@ -4545,13 +4451,13 @@
     <dgm:sp3d/>
     <dgm:txPr/>
     <dgm:style>
-      <a:lnRef idx="1">
+      <a:lnRef idx="2">
         <a:scrgbClr r="0" g="0" b="0"/>
       </a:lnRef>
-      <a:fillRef idx="3">
+      <a:fillRef idx="1">
         <a:scrgbClr r="0" g="0" b="0"/>
       </a:fillRef>
-      <a:effectRef idx="2">
+      <a:effectRef idx="0">
         <a:scrgbClr r="0" g="0" b="0"/>
       </a:effectRef>
       <a:fontRef idx="minor">
@@ -4567,13 +4473,13 @@
     <dgm:sp3d/>
     <dgm:txPr/>
     <dgm:style>
-      <a:lnRef idx="1">
+      <a:lnRef idx="2">
         <a:scrgbClr r="0" g="0" b="0"/>
       </a:lnRef>
-      <a:fillRef idx="3">
+      <a:fillRef idx="1">
         <a:scrgbClr r="0" g="0" b="0"/>
       </a:fillRef>
-      <a:effectRef idx="2">
+      <a:effectRef idx="0">
         <a:scrgbClr r="0" g="0" b="0"/>
       </a:effectRef>
       <a:fontRef idx="minor">
@@ -4589,7 +4495,7 @@
     <dgm:sp3d/>
     <dgm:txPr/>
     <dgm:style>
-      <a:lnRef idx="1">
+      <a:lnRef idx="2">
         <a:scrgbClr r="0" g="0" b="0"/>
       </a:lnRef>
       <a:fillRef idx="0">
@@ -4609,7 +4515,7 @@
     <dgm:sp3d/>
     <dgm:txPr/>
     <dgm:style>
-      <a:lnRef idx="1">
+      <a:lnRef idx="2">
         <a:scrgbClr r="0" g="0" b="0"/>
       </a:lnRef>
       <a:fillRef idx="0">
@@ -4629,7 +4535,7 @@
     <dgm:sp3d/>
     <dgm:txPr/>
     <dgm:style>
-      <a:lnRef idx="1">
+      <a:lnRef idx="2">
         <a:scrgbClr r="0" g="0" b="0"/>
       </a:lnRef>
       <a:fillRef idx="0">
@@ -4649,7 +4555,7 @@
     <dgm:sp3d/>
     <dgm:txPr/>
     <dgm:style>
-      <a:lnRef idx="1">
+      <a:lnRef idx="2">
         <a:scrgbClr r="0" g="0" b="0"/>
       </a:lnRef>
       <a:fillRef idx="0">
@@ -4669,7 +4575,7 @@
     <dgm:sp3d/>
     <dgm:txPr/>
     <dgm:style>
-      <a:lnRef idx="1">
+      <a:lnRef idx="2">
         <a:scrgbClr r="0" g="0" b="0"/>
       </a:lnRef>
       <a:fillRef idx="1">
@@ -4689,7 +4595,7 @@
     <dgm:sp3d/>
     <dgm:txPr/>
     <dgm:style>
-      <a:lnRef idx="1">
+      <a:lnRef idx="2">
         <a:scrgbClr r="0" g="0" b="0"/>
       </a:lnRef>
       <a:fillRef idx="1">
@@ -4709,7 +4615,7 @@
     <dgm:sp3d/>
     <dgm:txPr/>
     <dgm:style>
-      <a:lnRef idx="1">
+      <a:lnRef idx="2">
         <a:scrgbClr r="0" g="0" b="0"/>
       </a:lnRef>
       <a:fillRef idx="1">
@@ -4749,7 +4655,7 @@
     <dgm:sp3d/>
     <dgm:txPr/>
     <dgm:style>
-      <a:lnRef idx="1">
+      <a:lnRef idx="2">
         <a:scrgbClr r="0" g="0" b="0"/>
       </a:lnRef>
       <a:fillRef idx="1">
@@ -4769,7 +4675,7 @@
     <dgm:sp3d/>
     <dgm:txPr/>
     <dgm:style>
-      <a:lnRef idx="1">
+      <a:lnRef idx="2">
         <a:scrgbClr r="0" g="0" b="0"/>
       </a:lnRef>
       <a:fillRef idx="1">
@@ -4789,7 +4695,7 @@
     <dgm:sp3d/>
     <dgm:txPr/>
     <dgm:style>
-      <a:lnRef idx="1">
+      <a:lnRef idx="2">
         <a:scrgbClr r="0" g="0" b="0"/>
       </a:lnRef>
       <a:fillRef idx="1">
@@ -4809,7 +4715,7 @@
     <dgm:sp3d/>
     <dgm:txPr/>
     <dgm:style>
-      <a:lnRef idx="1">
+      <a:lnRef idx="2">
         <a:scrgbClr r="0" g="0" b="0"/>
       </a:lnRef>
       <a:fillRef idx="1">
@@ -4829,7 +4735,7 @@
     <dgm:sp3d/>
     <dgm:txPr/>
     <dgm:style>
-      <a:lnRef idx="1">
+      <a:lnRef idx="2">
         <a:scrgbClr r="0" g="0" b="0"/>
       </a:lnRef>
       <a:fillRef idx="1">
@@ -4849,7 +4755,7 @@
     <dgm:sp3d/>
     <dgm:txPr/>
     <dgm:style>
-      <a:lnRef idx="1">
+      <a:lnRef idx="2">
         <a:scrgbClr r="0" g="0" b="0"/>
       </a:lnRef>
       <a:fillRef idx="1">
@@ -4869,7 +4775,7 @@
     <dgm:sp3d/>
     <dgm:txPr/>
     <dgm:style>
-      <a:lnRef idx="1">
+      <a:lnRef idx="2">
         <a:scrgbClr r="0" g="0" b="0"/>
       </a:lnRef>
       <a:fillRef idx="1">
@@ -4889,7 +4795,7 @@
     <dgm:sp3d/>
     <dgm:txPr/>
     <dgm:style>
-      <a:lnRef idx="1">
+      <a:lnRef idx="2">
         <a:scrgbClr r="0" g="0" b="0"/>
       </a:lnRef>
       <a:fillRef idx="1">
@@ -4909,7 +4815,7 @@
     <dgm:sp3d/>
     <dgm:txPr/>
     <dgm:style>
-      <a:lnRef idx="1">
+      <a:lnRef idx="2">
         <a:scrgbClr r="0" g="0" b="0"/>
       </a:lnRef>
       <a:fillRef idx="1">
@@ -4929,7 +4835,7 @@
     <dgm:sp3d/>
     <dgm:txPr/>
     <dgm:style>
-      <a:lnRef idx="1">
+      <a:lnRef idx="2">
         <a:scrgbClr r="0" g="0" b="0"/>
       </a:lnRef>
       <a:fillRef idx="1">
@@ -4949,7 +4855,7 @@
     <dgm:sp3d/>
     <dgm:txPr/>
     <dgm:style>
-      <a:lnRef idx="1">
+      <a:lnRef idx="2">
         <a:scrgbClr r="0" g="0" b="0"/>
       </a:lnRef>
       <a:fillRef idx="1">
@@ -4975,7 +4881,7 @@
       <a:fillRef idx="1">
         <a:scrgbClr r="0" g="0" b="0"/>
       </a:fillRef>
-      <a:effectRef idx="2">
+      <a:effectRef idx="0">
         <a:scrgbClr r="0" g="0" b="0"/>
       </a:effectRef>
       <a:fontRef idx="minor"/>
@@ -4995,7 +4901,7 @@
       <a:fillRef idx="1">
         <a:scrgbClr r="0" g="0" b="0"/>
       </a:fillRef>
-      <a:effectRef idx="2">
+      <a:effectRef idx="0">
         <a:scrgbClr r="0" g="0" b="0"/>
       </a:effectRef>
       <a:fontRef idx="minor"/>
@@ -5029,13 +4935,13 @@
     <dgm:sp3d/>
     <dgm:txPr/>
     <dgm:style>
-      <a:lnRef idx="0">
+      <a:lnRef idx="2">
         <a:scrgbClr r="0" g="0" b="0"/>
       </a:lnRef>
-      <a:fillRef idx="3">
+      <a:fillRef idx="1">
         <a:scrgbClr r="0" g="0" b="0"/>
       </a:fillRef>
-      <a:effectRef idx="2">
+      <a:effectRef idx="0">
         <a:scrgbClr r="0" g="0" b="0"/>
       </a:effectRef>
       <a:fontRef idx="minor"/>
@@ -13000,7 +12906,7 @@
           <a:chExt cx="0" cy="0"/>
         </a:xfrm>
       </p:grpSpPr>
-      <p:sp useBgFill="1">
+      <p:sp>
         <p:nvSpPr>
           <p:cNvPr id="26" name="Rectangle 25"/>
           <p:cNvSpPr>
@@ -13032,8 +12938,8 @@
               <a:shade val="50000"/>
             </a:schemeClr>
           </a:lnRef>
-          <a:fillRef idx="1">
-            <a:schemeClr val="accent1"/>
+          <a:fillRef idx="1003">
+            <a:schemeClr val="dk2"/>
           </a:fillRef>
           <a:effectRef idx="0">
             <a:schemeClr val="accent1"/>
@@ -13053,7 +12959,7 @@
       </p:sp>
       <p:sp>
         <p:nvSpPr>
-          <p:cNvPr id="28" name="Freeform: Shape 27"/>
+          <p:cNvPr id="28" name="Rectangle 27"/>
           <p:cNvSpPr>
             <a:spLocks noGrp="1" noRot="1" noChangeAspect="1" noMove="1" noResize="1" noEditPoints="1" noAdjustHandles="1" noChangeArrowheads="1" noChangeShapeType="1" noTextEdit="1"/>
           </p:cNvSpPr>
@@ -13066,102 +12972,13 @@
           </p:nvPr>
         </p:nvSpPr>
         <p:spPr>
-          <a:xfrm flipH="1">
-            <a:off x="0" y="-2"/>
-            <a:ext cx="4125976" cy="6858002"/>
+          <a:xfrm>
+            <a:off x="-3175" y="0"/>
+            <a:ext cx="4654296" cy="6856214"/>
           </a:xfrm>
-          <a:custGeom>
+          <a:prstGeom prst="rect">
             <a:avLst/>
-            <a:gdLst>
-              <a:gd name="connsiteX0" fmla="*/ 4125976 w 4125976"/>
-              <a:gd name="connsiteY0" fmla="*/ 0 h 6858002"/>
-              <a:gd name="connsiteX1" fmla="*/ 1300393 w 4125976"/>
-              <a:gd name="connsiteY1" fmla="*/ 0 h 6858002"/>
-              <a:gd name="connsiteX2" fmla="*/ 1300393 w 4125976"/>
-              <a:gd name="connsiteY2" fmla="*/ 2 h 6858002"/>
-              <a:gd name="connsiteX3" fmla="*/ 1155520 w 4125976"/>
-              <a:gd name="connsiteY3" fmla="*/ 2 h 6858002"/>
-              <a:gd name="connsiteX4" fmla="*/ 1074856 w 4125976"/>
-              <a:gd name="connsiteY4" fmla="*/ 88573 h 6858002"/>
-              <a:gd name="connsiteX5" fmla="*/ 0 w 4125976"/>
-              <a:gd name="connsiteY5" fmla="*/ 3396600 h 6858002"/>
-              <a:gd name="connsiteX6" fmla="*/ 1222540 w 4125976"/>
-              <a:gd name="connsiteY6" fmla="*/ 6858002 h 6858002"/>
-              <a:gd name="connsiteX7" fmla="*/ 4125598 w 4125976"/>
-              <a:gd name="connsiteY7" fmla="*/ 6858002 h 6858002"/>
-              <a:gd name="connsiteX8" fmla="*/ 4125976 w 4125976"/>
-              <a:gd name="connsiteY8" fmla="*/ 6857600 h 6858002"/>
-            </a:gdLst>
-            <a:ahLst/>
-            <a:cxnLst>
-              <a:cxn ang="0">
-                <a:pos x="connsiteX0" y="connsiteY0"/>
-              </a:cxn>
-              <a:cxn ang="0">
-                <a:pos x="connsiteX1" y="connsiteY1"/>
-              </a:cxn>
-              <a:cxn ang="0">
-                <a:pos x="connsiteX2" y="connsiteY2"/>
-              </a:cxn>
-              <a:cxn ang="0">
-                <a:pos x="connsiteX3" y="connsiteY3"/>
-              </a:cxn>
-              <a:cxn ang="0">
-                <a:pos x="connsiteX4" y="connsiteY4"/>
-              </a:cxn>
-              <a:cxn ang="0">
-                <a:pos x="connsiteX5" y="connsiteY5"/>
-              </a:cxn>
-              <a:cxn ang="0">
-                <a:pos x="connsiteX6" y="connsiteY6"/>
-              </a:cxn>
-              <a:cxn ang="0">
-                <a:pos x="connsiteX7" y="connsiteY7"/>
-              </a:cxn>
-              <a:cxn ang="0">
-                <a:pos x="connsiteX8" y="connsiteY8"/>
-              </a:cxn>
-            </a:cxnLst>
-            <a:rect l="l" t="t" r="r" b="b"/>
-            <a:pathLst>
-              <a:path w="4125976" h="6858002">
-                <a:moveTo>
-                  <a:pt x="4125976" y="0"/>
-                </a:moveTo>
-                <a:lnTo>
-                  <a:pt x="1300393" y="0"/>
-                </a:lnTo>
-                <a:lnTo>
-                  <a:pt x="1300393" y="2"/>
-                </a:lnTo>
-                <a:lnTo>
-                  <a:pt x="1155520" y="2"/>
-                </a:lnTo>
-                <a:lnTo>
-                  <a:pt x="1074856" y="88573"/>
-                </a:lnTo>
-                <a:cubicBezTo>
-                  <a:pt x="422987" y="841260"/>
-                  <a:pt x="0" y="2042663"/>
-                  <a:pt x="0" y="3396600"/>
-                </a:cubicBezTo>
-                <a:cubicBezTo>
-                  <a:pt x="0" y="4846647"/>
-                  <a:pt x="488259" y="6121285"/>
-                  <a:pt x="1222540" y="6858002"/>
-                </a:cubicBezTo>
-                <a:cubicBezTo>
-                  <a:pt x="4125598" y="6858002"/>
-                  <a:pt x="4125598" y="6858002"/>
-                  <a:pt x="4125598" y="6858002"/>
-                </a:cubicBezTo>
-                <a:lnTo>
-                  <a:pt x="4125976" y="6857600"/>
-                </a:lnTo>
-                <a:close/>
-              </a:path>
-            </a:pathLst>
-          </a:custGeom>
+          </a:prstGeom>
           <a:blipFill dpi="0" rotWithShape="1">
             <a:blip r:embed="rId2"/>
             <a:srcRect/>
@@ -13178,7 +12995,7 @@
             </a:schemeClr>
           </a:lnRef>
           <a:fillRef idx="1003">
-            <a:schemeClr val="dk2"/>
+            <a:schemeClr val="lt2"/>
           </a:fillRef>
           <a:effectRef idx="0">
             <a:schemeClr val="accent1"/>
@@ -13188,9 +13005,93 @@
           </a:fontRef>
         </p:style>
         <p:txBody>
-          <a:bodyPr wrap="square" rtlCol="0" anchor="ctr">
-            <a:noAutofit/>
-          </a:bodyPr>
+          <a:bodyPr rtlCol="0" anchor="ctr"/>
+          <a:lstStyle/>
+          <a:p>
+            <a:pPr algn="ctr"/>
+            <a:endParaRPr lang="en-US"/>
+          </a:p>
+        </p:txBody>
+      </p:sp>
+      <p:pic>
+        <p:nvPicPr>
+          <p:cNvPr id="30" name="Picture 29" descr="A close up of a logo&#10;&#10;Description generated with very high confidence"/>
+          <p:cNvPicPr>
+            <a:picLocks noGrp="1" noRot="1" noChangeAspect="1" noMove="1" noResize="1" noEditPoints="1" noAdjustHandles="1" noChangeArrowheads="1" noChangeShapeType="1" noCrop="1"/>
+          </p:cNvPicPr>
+          <p:nvPr>
+            <p:extLst>
+              <p:ext uri="{386F3935-93C4-4BCD-93E2-E3B085C9AB24}">
+                <p16:designElem xmlns:p16="http://schemas.microsoft.com/office/powerpoint/2015/main" val="1"/>
+              </p:ext>
+            </p:extLst>
+          </p:nvPr>
+        </p:nvPicPr>
+        <p:blipFill rotWithShape="1">
+          <a:blip r:embed="rId3">
+            <a:extLst>
+              <a:ext uri="{28A0092B-C50C-407E-A947-70E740481C1C}">
+                <a14:useLocalDpi xmlns:a14="http://schemas.microsoft.com/office/drawing/2010/main" val="0"/>
+              </a:ext>
+            </a:extLst>
+          </a:blip>
+          <a:srcRect r="61893"/>
+          <a:stretch/>
+        </p:blipFill>
+        <p:spPr>
+          <a:xfrm>
+            <a:off x="0" y="0"/>
+            <a:ext cx="4644770" cy="6856214"/>
+          </a:xfrm>
+          <a:prstGeom prst="rect">
+            <a:avLst/>
+          </a:prstGeom>
+        </p:spPr>
+      </p:pic>
+      <p:sp useBgFill="1">
+        <p:nvSpPr>
+          <p:cNvPr id="32" name="Rectangle 31"/>
+          <p:cNvSpPr>
+            <a:spLocks noGrp="1" noRot="1" noChangeAspect="1" noMove="1" noResize="1" noEditPoints="1" noAdjustHandles="1" noChangeArrowheads="1" noChangeShapeType="1" noTextEdit="1"/>
+          </p:cNvSpPr>
+          <p:nvPr>
+            <p:extLst>
+              <p:ext uri="{386F3935-93C4-4BCD-93E2-E3B085C9AB24}">
+                <p16:designElem xmlns:p16="http://schemas.microsoft.com/office/powerpoint/2015/main" val="1"/>
+              </p:ext>
+            </p:extLst>
+          </p:nvPr>
+        </p:nvSpPr>
+        <p:spPr>
+          <a:xfrm>
+            <a:off x="4651120" y="-2"/>
+            <a:ext cx="7537705" cy="6856216"/>
+          </a:xfrm>
+          <a:prstGeom prst="rect">
+            <a:avLst/>
+          </a:prstGeom>
+          <a:ln>
+            <a:noFill/>
+          </a:ln>
+        </p:spPr>
+        <p:style>
+          <a:lnRef idx="2">
+            <a:schemeClr val="accent1">
+              <a:shade val="50000"/>
+            </a:schemeClr>
+          </a:lnRef>
+          <a:fillRef idx="1">
+            <a:schemeClr val="accent1"/>
+          </a:fillRef>
+          <a:effectRef idx="0">
+            <a:schemeClr val="accent1"/>
+          </a:effectRef>
+          <a:fontRef idx="minor">
+            <a:schemeClr val="lt1"/>
+          </a:fontRef>
+        </p:style>
+        <p:txBody>
+          <a:bodyPr rtlCol="0" anchor="ctr"/>
           <a:lstStyle/>
           <a:p>
             <a:pPr algn="ctr"/>
@@ -13216,8 +13117,8 @@
         </p:nvSpPr>
         <p:spPr>
           <a:xfrm>
-            <a:off x="685800" y="643466"/>
-            <a:ext cx="3856383" cy="4995333"/>
+            <a:off x="685801" y="643466"/>
+            <a:ext cx="3351530" cy="4995333"/>
           </a:xfrm>
         </p:spPr>
         <p:txBody>
@@ -13227,7 +13128,7 @@
           <a:lstStyle/>
           <a:p>
             <a:r>
-              <a:rPr lang="en-US" b="1" dirty="0">
+              <a:rPr lang="en-US" b="1">
                 <a:solidFill>
                   <a:srgbClr val="FFFFFF"/>
                 </a:solidFill>
@@ -13243,7 +13144,7 @@
               <a:t>crypto questions</a:t>
             </a:r>
             <a:br>
-              <a:rPr lang="en-US" b="1" dirty="0">
+              <a:rPr lang="en-US" b="1">
                 <a:solidFill>
                   <a:srgbClr val="FFFFFF"/>
                 </a:solidFill>
@@ -13258,7 +13159,7 @@
               </a:rPr>
             </a:br>
             <a:r>
-              <a:rPr lang="en-US" b="1" dirty="0">
+              <a:rPr lang="en-US" b="1">
                 <a:solidFill>
                   <a:srgbClr val="FFFFFF"/>
                 </a:solidFill>
@@ -13273,7 +13174,7 @@
               </a:rPr>
               <a:t>(20 pts)</a:t>
             </a:r>
-            <a:endParaRPr lang="en-US" dirty="0">
+            <a:endParaRPr lang="en-US">
               <a:solidFill>
                 <a:srgbClr val="FFFFFF"/>
               </a:solidFill>
@@ -13291,18 +13192,18 @@
             <p:ph idx="1"/>
             <p:extLst>
               <p:ext uri="{D42A27DB-BD31-4B8C-83A1-F6EECF244321}">
-                <p14:modId xmlns:p14="http://schemas.microsoft.com/office/powerpoint/2010/main" val="821520388"/>
+                <p14:modId xmlns:p14="http://schemas.microsoft.com/office/powerpoint/2010/main" val="23995316"/>
               </p:ext>
             </p:extLst>
           </p:nvPr>
         </p:nvGraphicFramePr>
         <p:xfrm>
-          <a:off x="4811776" y="952129"/>
-          <a:ext cx="6545199" cy="4953740"/>
+          <a:off x="5467509" y="804671"/>
+          <a:ext cx="5886291" cy="4917211"/>
         </p:xfrm>
         <a:graphic>
           <a:graphicData uri="http://schemas.openxmlformats.org/drawingml/2006/diagram">
-            <dgm:relIds xmlns:dgm="http://schemas.openxmlformats.org/drawingml/2006/diagram" xmlns:r="http://schemas.openxmlformats.org/officeDocument/2006/relationships" r:dm="rId3" r:lo="rId4" r:qs="rId5" r:cs="rId6"/>
+            <dgm:relIds xmlns:dgm="http://schemas.openxmlformats.org/drawingml/2006/diagram" xmlns:r="http://schemas.openxmlformats.org/officeDocument/2006/relationships" r:dm="rId4" r:lo="rId5" r:qs="rId6" r:cs="rId7"/>
           </a:graphicData>
         </a:graphic>
       </p:graphicFrame>
@@ -13622,7 +13523,7 @@
             <p:ph idx="1"/>
             <p:extLst>
               <p:ext uri="{D42A27DB-BD31-4B8C-83A1-F6EECF244321}">
-                <p14:modId xmlns:p14="http://schemas.microsoft.com/office/powerpoint/2010/main" val="3980947291"/>
+                <p14:modId xmlns:p14="http://schemas.microsoft.com/office/powerpoint/2010/main" val="3751208023"/>
               </p:ext>
             </p:extLst>
           </p:nvPr>
